--- a/Misc/bakalaura_darbs.pptx
+++ b/Misc/bakalaura_darbs.pptx
@@ -240,7 +240,7 @@
           <a:p>
             <a:fld id="{A3FDBB95-2919-BA49-BF3E-F989F8D69C19}" type="datetimeFigureOut">
               <a:rPr lang="en-US" smtClean="0"/>
-              <a:t>4/17/2023</a:t>
+              <a:t>4/18/23</a:t>
             </a:fld>
             <a:endParaRPr lang="en-US"/>
           </a:p>
@@ -406,7 +406,7 @@
           <a:p>
             <a:fld id="{D11E34D1-F639-E448-89D5-A8813FF58557}" type="datetimeFigureOut">
               <a:rPr lang="en-US" smtClean="0"/>
-              <a:t>4/17/2023</a:t>
+              <a:t>4/18/23</a:t>
             </a:fld>
             <a:endParaRPr lang="en-US"/>
           </a:p>
@@ -6625,7 +6625,19 @@
           <a:p>
             <a:r>
               <a:rPr lang="lv-LV" dirty="0"/>
-              <a:t>Pēdējos gados, vairāku iemeslu dēļ, interese pret mājas tīrīšanas robotiem strauji palielinās. Šajā nozarē pastāv daudz konkurējošo ražotāju, tāpēc, lai piesaistītu lielāku klientu skaitu  ražotājiem ir nepieciešams piedāvāt visefektīvāko risinājumu tirgū. Ceļa plānošanas algoritmi būtiski ietekmē robotu efektivitāti, tāpēc to uzlabošana un pētīšana ir aktuāla. Pašlaik vairāku aģentu pārklājuma ceļa meklēšanā joprojām pastāv izaicinājumi, tomēr vairāku aģentu sistēmas ir izturīgākas, vieglāk mērogojamas, kā arī spēj ātrāk pārklāt lielas telpas.</a:t>
+              <a:t>Palielināta interese pret mājas tīrīšanas robotiem</a:t>
+            </a:r>
+          </a:p>
+          <a:p>
+            <a:r>
+              <a:rPr lang="lv-LV" dirty="0"/>
+              <a:t>Programatūras ietekme uz robotu efektivitāti</a:t>
+            </a:r>
+          </a:p>
+          <a:p>
+            <a:r>
+              <a:rPr lang="lv-LV" dirty="0"/>
+              <a:t>Izaicinājumi vairāku aģentu pārklājuma ceļa meklēšanā</a:t>
             </a:r>
           </a:p>
         </p:txBody>
@@ -7004,6 +7016,33 @@
           <a:lstStyle/>
           <a:p>
             <a:r>
+              <a:rPr lang="lv-LV" dirty="0"/>
+              <a:t>[1 – 15]   – saistītie pētījumi</a:t>
+            </a:r>
+          </a:p>
+          <a:p>
+            <a:r>
+              <a:rPr lang="lv-LV" dirty="0"/>
+              <a:t>[16 – 24] – problēmas nostādne</a:t>
+            </a:r>
+          </a:p>
+          <a:p>
+            <a:r>
+              <a:rPr lang="lv-LV" dirty="0"/>
+              <a:t>[25 – 37] – virzītas apmācības pārskats</a:t>
+            </a:r>
+          </a:p>
+          <a:p>
+            <a:r>
+              <a:rPr lang="lv-LV" dirty="0"/>
+              <a:t>[38 – 48] – vairāku aģentu virzītā apmācība</a:t>
+            </a:r>
+          </a:p>
+          <a:p>
+            <a:endParaRPr lang="lv-LV" dirty="0"/>
+          </a:p>
+          <a:p>
+            <a:r>
               <a:rPr lang="lv-LV" sz="1800" dirty="0">
                 <a:effectLst/>
                 <a:latin typeface="Times New Roman" panose="02020603050405020304" pitchFamily="18" charset="0"/>
@@ -7025,7 +7064,23 @@
                 <a:latin typeface="Times New Roman" panose="02020603050405020304" pitchFamily="18" charset="0"/>
                 <a:ea typeface="Times New Roman" panose="02020603050405020304" pitchFamily="18" charset="0"/>
               </a:rPr>
-              <a:t>, Y. I. WU, A. </a:t>
+              <a:t>, </a:t>
+            </a:r>
+            <a:r>
+              <a:rPr lang="lv-LV" sz="1800" dirty="0" err="1">
+                <a:effectLst/>
+                <a:latin typeface="Times New Roman" panose="02020603050405020304" pitchFamily="18" charset="0"/>
+                <a:ea typeface="Times New Roman" panose="02020603050405020304" pitchFamily="18" charset="0"/>
+              </a:rPr>
+              <a:t>Y</a:t>
+            </a:r>
+            <a:r>
+              <a:rPr lang="lv-LV" sz="1800" dirty="0">
+                <a:effectLst/>
+                <a:latin typeface="Times New Roman" panose="02020603050405020304" pitchFamily="18" charset="0"/>
+                <a:ea typeface="Times New Roman" panose="02020603050405020304" pitchFamily="18" charset="0"/>
+              </a:rPr>
+              <a:t>. I. WU, A. </a:t>
             </a:r>
             <a:r>
               <a:rPr lang="lv-LV" sz="1800" dirty="0" err="1">
@@ -7057,7 +7112,23 @@
                 <a:latin typeface="Times New Roman" panose="02020603050405020304" pitchFamily="18" charset="0"/>
                 <a:ea typeface="Times New Roman" panose="02020603050405020304" pitchFamily="18" charset="0"/>
               </a:rPr>
-              <a:t>, O. </a:t>
+              <a:t>, </a:t>
+            </a:r>
+            <a:r>
+              <a:rPr lang="lv-LV" sz="1800" dirty="0" err="1">
+                <a:effectLst/>
+                <a:latin typeface="Times New Roman" panose="02020603050405020304" pitchFamily="18" charset="0"/>
+                <a:ea typeface="Times New Roman" panose="02020603050405020304" pitchFamily="18" charset="0"/>
+              </a:rPr>
+              <a:t>O</a:t>
+            </a:r>
+            <a:r>
+              <a:rPr lang="lv-LV" sz="1800" dirty="0">
+                <a:effectLst/>
+                <a:latin typeface="Times New Roman" panose="02020603050405020304" pitchFamily="18" charset="0"/>
+                <a:ea typeface="Times New Roman" panose="02020603050405020304" pitchFamily="18" charset="0"/>
+              </a:rPr>
+              <a:t>. </a:t>
             </a:r>
             <a:r>
               <a:rPr lang="lv-LV" sz="1800" dirty="0" err="1">
@@ -7313,15 +7384,7 @@
                 <a:latin typeface="Times New Roman" panose="02020603050405020304" pitchFamily="18" charset="0"/>
                 <a:ea typeface="Times New Roman" panose="02020603050405020304" pitchFamily="18" charset="0"/>
               </a:rPr>
-              <a:t> </a:t>
-            </a:r>
-            <a:r>
-              <a:rPr lang="lv-LV" sz="1800" i="1" dirty="0" err="1">
-                <a:effectLst/>
-                <a:latin typeface="Times New Roman" panose="02020603050405020304" pitchFamily="18" charset="0"/>
-                <a:ea typeface="Times New Roman" panose="02020603050405020304" pitchFamily="18" charset="0"/>
-              </a:rPr>
-              <a:t>Systems</a:t>
+              <a:t> Systems</a:t>
             </a:r>
             <a:r>
               <a:rPr lang="lv-LV" sz="1800" dirty="0">
@@ -7521,17 +7584,15 @@
                 <a:latin typeface="Times New Roman" panose="02020603050405020304" pitchFamily="18" charset="0"/>
                 <a:ea typeface="Times New Roman" panose="02020603050405020304" pitchFamily="18" charset="0"/>
               </a:rPr>
-              <a:t>: https://proceedings.neurips.cc/paper_files/paper/2017/file/68a9750337a418a86fe06c1991a1d64c-Paper.pdf</a:t>
-            </a:r>
-            <a:endParaRPr lang="lv-LV" dirty="0"/>
-          </a:p>
-          <a:p>
-            <a:r>
-              <a:rPr lang="lv-LV" sz="1800" dirty="0">
+              <a:t>: </a:t>
+            </a:r>
+            <a:r>
+              <a:rPr lang="lv-LV" sz="1800" dirty="0" err="1">
+                <a:effectLst/>
                 <a:latin typeface="Times New Roman" panose="02020603050405020304" pitchFamily="18" charset="0"/>
                 <a:ea typeface="Times New Roman" panose="02020603050405020304" pitchFamily="18" charset="0"/>
               </a:rPr>
-              <a:t>[21] </a:t>
+              <a:t>https</a:t>
             </a:r>
             <a:r>
               <a:rPr lang="lv-LV" sz="1800" dirty="0">
@@ -7539,7 +7600,7 @@
                 <a:latin typeface="Times New Roman" panose="02020603050405020304" pitchFamily="18" charset="0"/>
                 <a:ea typeface="Times New Roman" panose="02020603050405020304" pitchFamily="18" charset="0"/>
               </a:rPr>
-              <a:t>L. E. </a:t>
+              <a:t>://</a:t>
             </a:r>
             <a:r>
               <a:rPr lang="lv-LV" sz="1800" dirty="0" err="1">
@@ -7547,7 +7608,7 @@
                 <a:latin typeface="Times New Roman" panose="02020603050405020304" pitchFamily="18" charset="0"/>
                 <a:ea typeface="Times New Roman" panose="02020603050405020304" pitchFamily="18" charset="0"/>
               </a:rPr>
-              <a:t>Parker</a:t>
+              <a:t>proceedings.neurips.cc</a:t>
             </a:r>
             <a:r>
               <a:rPr lang="lv-LV" sz="1800" dirty="0">
@@ -7555,7 +7616,7 @@
                 <a:latin typeface="Times New Roman" panose="02020603050405020304" pitchFamily="18" charset="0"/>
                 <a:ea typeface="Times New Roman" panose="02020603050405020304" pitchFamily="18" charset="0"/>
               </a:rPr>
-              <a:t>, “ALLIANCE: </a:t>
+              <a:t>/</a:t>
             </a:r>
             <a:r>
               <a:rPr lang="lv-LV" sz="1800" dirty="0" err="1">
@@ -7563,7 +7624,7 @@
                 <a:latin typeface="Times New Roman" panose="02020603050405020304" pitchFamily="18" charset="0"/>
                 <a:ea typeface="Times New Roman" panose="02020603050405020304" pitchFamily="18" charset="0"/>
               </a:rPr>
-              <a:t>an</a:t>
+              <a:t>paper_files</a:t>
             </a:r>
             <a:r>
               <a:rPr lang="lv-LV" sz="1800" dirty="0">
@@ -7571,7 +7632,7 @@
                 <a:latin typeface="Times New Roman" panose="02020603050405020304" pitchFamily="18" charset="0"/>
                 <a:ea typeface="Times New Roman" panose="02020603050405020304" pitchFamily="18" charset="0"/>
               </a:rPr>
-              <a:t> </a:t>
+              <a:t>/paper/2017/</a:t>
             </a:r>
             <a:r>
               <a:rPr lang="lv-LV" sz="1800" dirty="0" err="1">
@@ -7579,7 +7640,7 @@
                 <a:latin typeface="Times New Roman" panose="02020603050405020304" pitchFamily="18" charset="0"/>
                 <a:ea typeface="Times New Roman" panose="02020603050405020304" pitchFamily="18" charset="0"/>
               </a:rPr>
-              <a:t>architecture</a:t>
+              <a:t>file</a:t>
             </a:r>
             <a:r>
               <a:rPr lang="lv-LV" sz="1800" dirty="0">
@@ -7587,875 +7648,13 @@
                 <a:latin typeface="Times New Roman" panose="02020603050405020304" pitchFamily="18" charset="0"/>
                 <a:ea typeface="Times New Roman" panose="02020603050405020304" pitchFamily="18" charset="0"/>
               </a:rPr>
-              <a:t> </a:t>
-            </a:r>
-            <a:r>
-              <a:rPr lang="lv-LV" sz="1800" dirty="0" err="1">
+              <a:t>/68a9750337a418a86fe06c1991a1d64c-Paper.pdf</a:t>
+            </a:r>
+            <a:r>
+              <a:rPr lang="en-LV" dirty="0">
                 <a:effectLst/>
-                <a:latin typeface="Times New Roman" panose="02020603050405020304" pitchFamily="18" charset="0"/>
-                <a:ea typeface="Times New Roman" panose="02020603050405020304" pitchFamily="18" charset="0"/>
-              </a:rPr>
-              <a:t>for</a:t>
-            </a:r>
-            <a:r>
-              <a:rPr lang="lv-LV" sz="1800" dirty="0">
-                <a:effectLst/>
-                <a:latin typeface="Times New Roman" panose="02020603050405020304" pitchFamily="18" charset="0"/>
-                <a:ea typeface="Times New Roman" panose="02020603050405020304" pitchFamily="18" charset="0"/>
               </a:rPr>
               <a:t> </a:t>
-            </a:r>
-            <a:r>
-              <a:rPr lang="lv-LV" sz="1800" dirty="0" err="1">
-                <a:effectLst/>
-                <a:latin typeface="Times New Roman" panose="02020603050405020304" pitchFamily="18" charset="0"/>
-                <a:ea typeface="Times New Roman" panose="02020603050405020304" pitchFamily="18" charset="0"/>
-              </a:rPr>
-              <a:t>fault</a:t>
-            </a:r>
-            <a:r>
-              <a:rPr lang="lv-LV" sz="1800" dirty="0">
-                <a:effectLst/>
-                <a:latin typeface="Times New Roman" panose="02020603050405020304" pitchFamily="18" charset="0"/>
-                <a:ea typeface="Times New Roman" panose="02020603050405020304" pitchFamily="18" charset="0"/>
-              </a:rPr>
-              <a:t> </a:t>
-            </a:r>
-            <a:r>
-              <a:rPr lang="lv-LV" sz="1800" dirty="0" err="1">
-                <a:effectLst/>
-                <a:latin typeface="Times New Roman" panose="02020603050405020304" pitchFamily="18" charset="0"/>
-                <a:ea typeface="Times New Roman" panose="02020603050405020304" pitchFamily="18" charset="0"/>
-              </a:rPr>
-              <a:t>tolerant</a:t>
-            </a:r>
-            <a:r>
-              <a:rPr lang="lv-LV" sz="1800" dirty="0">
-                <a:effectLst/>
-                <a:latin typeface="Times New Roman" panose="02020603050405020304" pitchFamily="18" charset="0"/>
-                <a:ea typeface="Times New Roman" panose="02020603050405020304" pitchFamily="18" charset="0"/>
-              </a:rPr>
-              <a:t> </a:t>
-            </a:r>
-            <a:r>
-              <a:rPr lang="lv-LV" sz="1800" dirty="0" err="1">
-                <a:effectLst/>
-                <a:latin typeface="Times New Roman" panose="02020603050405020304" pitchFamily="18" charset="0"/>
-                <a:ea typeface="Times New Roman" panose="02020603050405020304" pitchFamily="18" charset="0"/>
-              </a:rPr>
-              <a:t>multirobot</a:t>
-            </a:r>
-            <a:r>
-              <a:rPr lang="lv-LV" sz="1800" dirty="0">
-                <a:effectLst/>
-                <a:latin typeface="Times New Roman" panose="02020603050405020304" pitchFamily="18" charset="0"/>
-                <a:ea typeface="Times New Roman" panose="02020603050405020304" pitchFamily="18" charset="0"/>
-              </a:rPr>
-              <a:t> </a:t>
-            </a:r>
-            <a:r>
-              <a:rPr lang="lv-LV" sz="1800" dirty="0" err="1">
-                <a:effectLst/>
-                <a:latin typeface="Times New Roman" panose="02020603050405020304" pitchFamily="18" charset="0"/>
-                <a:ea typeface="Times New Roman" panose="02020603050405020304" pitchFamily="18" charset="0"/>
-              </a:rPr>
-              <a:t>cooperation</a:t>
-            </a:r>
-            <a:r>
-              <a:rPr lang="lv-LV" sz="1800" dirty="0">
-                <a:effectLst/>
-                <a:latin typeface="Times New Roman" panose="02020603050405020304" pitchFamily="18" charset="0"/>
-                <a:ea typeface="Times New Roman" panose="02020603050405020304" pitchFamily="18" charset="0"/>
-              </a:rPr>
-              <a:t>,” </a:t>
-            </a:r>
-            <a:r>
-              <a:rPr lang="lv-LV" sz="1800" i="1" dirty="0">
-                <a:effectLst/>
-                <a:latin typeface="Times New Roman" panose="02020603050405020304" pitchFamily="18" charset="0"/>
-                <a:ea typeface="Times New Roman" panose="02020603050405020304" pitchFamily="18" charset="0"/>
-              </a:rPr>
-              <a:t>IEEE </a:t>
-            </a:r>
-            <a:r>
-              <a:rPr lang="lv-LV" sz="1800" i="1" dirty="0" err="1">
-                <a:effectLst/>
-                <a:latin typeface="Times New Roman" panose="02020603050405020304" pitchFamily="18" charset="0"/>
-                <a:ea typeface="Times New Roman" panose="02020603050405020304" pitchFamily="18" charset="0"/>
-              </a:rPr>
-              <a:t>Transactions</a:t>
-            </a:r>
-            <a:r>
-              <a:rPr lang="lv-LV" sz="1800" i="1" dirty="0">
-                <a:effectLst/>
-                <a:latin typeface="Times New Roman" panose="02020603050405020304" pitchFamily="18" charset="0"/>
-                <a:ea typeface="Times New Roman" panose="02020603050405020304" pitchFamily="18" charset="0"/>
-              </a:rPr>
-              <a:t> </a:t>
-            </a:r>
-            <a:r>
-              <a:rPr lang="lv-LV" sz="1800" i="1" dirty="0" err="1">
-                <a:effectLst/>
-                <a:latin typeface="Times New Roman" panose="02020603050405020304" pitchFamily="18" charset="0"/>
-                <a:ea typeface="Times New Roman" panose="02020603050405020304" pitchFamily="18" charset="0"/>
-              </a:rPr>
-              <a:t>on</a:t>
-            </a:r>
-            <a:r>
-              <a:rPr lang="lv-LV" sz="1800" i="1" dirty="0">
-                <a:effectLst/>
-                <a:latin typeface="Times New Roman" panose="02020603050405020304" pitchFamily="18" charset="0"/>
-                <a:ea typeface="Times New Roman" panose="02020603050405020304" pitchFamily="18" charset="0"/>
-              </a:rPr>
-              <a:t> </a:t>
-            </a:r>
-            <a:r>
-              <a:rPr lang="lv-LV" sz="1800" i="1" dirty="0" err="1">
-                <a:effectLst/>
-                <a:latin typeface="Times New Roman" panose="02020603050405020304" pitchFamily="18" charset="0"/>
-                <a:ea typeface="Times New Roman" panose="02020603050405020304" pitchFamily="18" charset="0"/>
-              </a:rPr>
-              <a:t>Robotics</a:t>
-            </a:r>
-            <a:r>
-              <a:rPr lang="lv-LV" sz="1800" i="1" dirty="0">
-                <a:effectLst/>
-                <a:latin typeface="Times New Roman" panose="02020603050405020304" pitchFamily="18" charset="0"/>
-                <a:ea typeface="Times New Roman" panose="02020603050405020304" pitchFamily="18" charset="0"/>
-              </a:rPr>
-              <a:t> </a:t>
-            </a:r>
-            <a:r>
-              <a:rPr lang="lv-LV" sz="1800" i="1" dirty="0" err="1">
-                <a:effectLst/>
-                <a:latin typeface="Times New Roman" panose="02020603050405020304" pitchFamily="18" charset="0"/>
-                <a:ea typeface="Times New Roman" panose="02020603050405020304" pitchFamily="18" charset="0"/>
-              </a:rPr>
-              <a:t>and</a:t>
-            </a:r>
-            <a:r>
-              <a:rPr lang="lv-LV" sz="1800" i="1" dirty="0">
-                <a:effectLst/>
-                <a:latin typeface="Times New Roman" panose="02020603050405020304" pitchFamily="18" charset="0"/>
-                <a:ea typeface="Times New Roman" panose="02020603050405020304" pitchFamily="18" charset="0"/>
-              </a:rPr>
-              <a:t> </a:t>
-            </a:r>
-            <a:r>
-              <a:rPr lang="lv-LV" sz="1800" i="1" dirty="0" err="1">
-                <a:effectLst/>
-                <a:latin typeface="Times New Roman" panose="02020603050405020304" pitchFamily="18" charset="0"/>
-                <a:ea typeface="Times New Roman" panose="02020603050405020304" pitchFamily="18" charset="0"/>
-              </a:rPr>
-              <a:t>Automation</a:t>
-            </a:r>
-            <a:r>
-              <a:rPr lang="lv-LV" sz="1800" dirty="0">
-                <a:effectLst/>
-                <a:latin typeface="Times New Roman" panose="02020603050405020304" pitchFamily="18" charset="0"/>
-                <a:ea typeface="Times New Roman" panose="02020603050405020304" pitchFamily="18" charset="0"/>
-              </a:rPr>
-              <a:t>, </a:t>
-            </a:r>
-            <a:r>
-              <a:rPr lang="lv-LV" sz="1800" dirty="0" err="1">
-                <a:effectLst/>
-                <a:latin typeface="Times New Roman" panose="02020603050405020304" pitchFamily="18" charset="0"/>
-                <a:ea typeface="Times New Roman" panose="02020603050405020304" pitchFamily="18" charset="0"/>
-              </a:rPr>
-              <a:t>vol</a:t>
-            </a:r>
-            <a:r>
-              <a:rPr lang="lv-LV" sz="1800" dirty="0">
-                <a:effectLst/>
-                <a:latin typeface="Times New Roman" panose="02020603050405020304" pitchFamily="18" charset="0"/>
-                <a:ea typeface="Times New Roman" panose="02020603050405020304" pitchFamily="18" charset="0"/>
-              </a:rPr>
-              <a:t>. 14, no. 2, </a:t>
-            </a:r>
-            <a:r>
-              <a:rPr lang="lv-LV" sz="1800" dirty="0" err="1">
-                <a:effectLst/>
-                <a:latin typeface="Times New Roman" panose="02020603050405020304" pitchFamily="18" charset="0"/>
-                <a:ea typeface="Times New Roman" panose="02020603050405020304" pitchFamily="18" charset="0"/>
-              </a:rPr>
-              <a:t>pp</a:t>
-            </a:r>
-            <a:r>
-              <a:rPr lang="lv-LV" sz="1800" dirty="0">
-                <a:effectLst/>
-                <a:latin typeface="Times New Roman" panose="02020603050405020304" pitchFamily="18" charset="0"/>
-                <a:ea typeface="Times New Roman" panose="02020603050405020304" pitchFamily="18" charset="0"/>
-              </a:rPr>
-              <a:t>. 220–240, 1998, </a:t>
-            </a:r>
-            <a:r>
-              <a:rPr lang="lv-LV" sz="1800" dirty="0" err="1">
-                <a:effectLst/>
-                <a:latin typeface="Times New Roman" panose="02020603050405020304" pitchFamily="18" charset="0"/>
-                <a:ea typeface="Times New Roman" panose="02020603050405020304" pitchFamily="18" charset="0"/>
-              </a:rPr>
-              <a:t>doi</a:t>
-            </a:r>
-            <a:r>
-              <a:rPr lang="lv-LV" sz="1800" dirty="0">
-                <a:effectLst/>
-                <a:latin typeface="Times New Roman" panose="02020603050405020304" pitchFamily="18" charset="0"/>
-                <a:ea typeface="Times New Roman" panose="02020603050405020304" pitchFamily="18" charset="0"/>
-              </a:rPr>
-              <a:t>: 10.1109/70.681242.</a:t>
-            </a:r>
-          </a:p>
-          <a:p>
-            <a:r>
-              <a:rPr lang="lv-LV" sz="1800" dirty="0">
-                <a:effectLst/>
-                <a:latin typeface="Times New Roman" panose="02020603050405020304" pitchFamily="18" charset="0"/>
-                <a:ea typeface="Times New Roman" panose="02020603050405020304" pitchFamily="18" charset="0"/>
-              </a:rPr>
-              <a:t>[24] M. A. </a:t>
-            </a:r>
-            <a:r>
-              <a:rPr lang="lv-LV" sz="1800" dirty="0" err="1">
-                <a:effectLst/>
-                <a:latin typeface="Times New Roman" panose="02020603050405020304" pitchFamily="18" charset="0"/>
-                <a:ea typeface="Times New Roman" panose="02020603050405020304" pitchFamily="18" charset="0"/>
-              </a:rPr>
-              <a:t>Batalin</a:t>
-            </a:r>
-            <a:r>
-              <a:rPr lang="lv-LV" sz="1800" dirty="0">
-                <a:effectLst/>
-                <a:latin typeface="Times New Roman" panose="02020603050405020304" pitchFamily="18" charset="0"/>
-                <a:ea typeface="Times New Roman" panose="02020603050405020304" pitchFamily="18" charset="0"/>
-              </a:rPr>
-              <a:t> </a:t>
-            </a:r>
-            <a:r>
-              <a:rPr lang="lv-LV" sz="1800" dirty="0" err="1">
-                <a:effectLst/>
-                <a:latin typeface="Times New Roman" panose="02020603050405020304" pitchFamily="18" charset="0"/>
-                <a:ea typeface="Times New Roman" panose="02020603050405020304" pitchFamily="18" charset="0"/>
-              </a:rPr>
-              <a:t>and</a:t>
-            </a:r>
-            <a:r>
-              <a:rPr lang="lv-LV" sz="1800" dirty="0">
-                <a:effectLst/>
-                <a:latin typeface="Times New Roman" panose="02020603050405020304" pitchFamily="18" charset="0"/>
-                <a:ea typeface="Times New Roman" panose="02020603050405020304" pitchFamily="18" charset="0"/>
-              </a:rPr>
-              <a:t> G. S. </a:t>
-            </a:r>
-            <a:r>
-              <a:rPr lang="lv-LV" sz="1800" dirty="0" err="1">
-                <a:effectLst/>
-                <a:latin typeface="Times New Roman" panose="02020603050405020304" pitchFamily="18" charset="0"/>
-                <a:ea typeface="Times New Roman" panose="02020603050405020304" pitchFamily="18" charset="0"/>
-              </a:rPr>
-              <a:t>Sukhatme</a:t>
-            </a:r>
-            <a:r>
-              <a:rPr lang="lv-LV" sz="1800" dirty="0">
-                <a:effectLst/>
-                <a:latin typeface="Times New Roman" panose="02020603050405020304" pitchFamily="18" charset="0"/>
-                <a:ea typeface="Times New Roman" panose="02020603050405020304" pitchFamily="18" charset="0"/>
-              </a:rPr>
-              <a:t>, “</a:t>
-            </a:r>
-            <a:r>
-              <a:rPr lang="lv-LV" sz="1800" dirty="0" err="1">
-                <a:effectLst/>
-                <a:latin typeface="Times New Roman" panose="02020603050405020304" pitchFamily="18" charset="0"/>
-                <a:ea typeface="Times New Roman" panose="02020603050405020304" pitchFamily="18" charset="0"/>
-              </a:rPr>
-              <a:t>Spreading</a:t>
-            </a:r>
-            <a:r>
-              <a:rPr lang="lv-LV" sz="1800" dirty="0">
-                <a:effectLst/>
-                <a:latin typeface="Times New Roman" panose="02020603050405020304" pitchFamily="18" charset="0"/>
-                <a:ea typeface="Times New Roman" panose="02020603050405020304" pitchFamily="18" charset="0"/>
-              </a:rPr>
-              <a:t> </a:t>
-            </a:r>
-            <a:r>
-              <a:rPr lang="lv-LV" sz="1800" dirty="0" err="1">
-                <a:effectLst/>
-                <a:latin typeface="Times New Roman" panose="02020603050405020304" pitchFamily="18" charset="0"/>
-                <a:ea typeface="Times New Roman" panose="02020603050405020304" pitchFamily="18" charset="0"/>
-              </a:rPr>
-              <a:t>Out</a:t>
-            </a:r>
-            <a:r>
-              <a:rPr lang="lv-LV" sz="1800" dirty="0">
-                <a:effectLst/>
-                <a:latin typeface="Times New Roman" panose="02020603050405020304" pitchFamily="18" charset="0"/>
-                <a:ea typeface="Times New Roman" panose="02020603050405020304" pitchFamily="18" charset="0"/>
-              </a:rPr>
-              <a:t>: A </a:t>
-            </a:r>
-            <a:r>
-              <a:rPr lang="lv-LV" sz="1800" dirty="0" err="1">
-                <a:effectLst/>
-                <a:latin typeface="Times New Roman" panose="02020603050405020304" pitchFamily="18" charset="0"/>
-                <a:ea typeface="Times New Roman" panose="02020603050405020304" pitchFamily="18" charset="0"/>
-              </a:rPr>
-              <a:t>Local</a:t>
-            </a:r>
-            <a:r>
-              <a:rPr lang="lv-LV" sz="1800" dirty="0">
-                <a:effectLst/>
-                <a:latin typeface="Times New Roman" panose="02020603050405020304" pitchFamily="18" charset="0"/>
-                <a:ea typeface="Times New Roman" panose="02020603050405020304" pitchFamily="18" charset="0"/>
-              </a:rPr>
-              <a:t> </a:t>
-            </a:r>
-            <a:r>
-              <a:rPr lang="lv-LV" sz="1800" dirty="0" err="1">
-                <a:effectLst/>
-                <a:latin typeface="Times New Roman" panose="02020603050405020304" pitchFamily="18" charset="0"/>
-                <a:ea typeface="Times New Roman" panose="02020603050405020304" pitchFamily="18" charset="0"/>
-              </a:rPr>
-              <a:t>Approach</a:t>
-            </a:r>
-            <a:r>
-              <a:rPr lang="lv-LV" sz="1800" dirty="0">
-                <a:effectLst/>
-                <a:latin typeface="Times New Roman" panose="02020603050405020304" pitchFamily="18" charset="0"/>
-                <a:ea typeface="Times New Roman" panose="02020603050405020304" pitchFamily="18" charset="0"/>
-              </a:rPr>
-              <a:t> to </a:t>
-            </a:r>
-            <a:r>
-              <a:rPr lang="lv-LV" sz="1800" dirty="0" err="1">
-                <a:effectLst/>
-                <a:latin typeface="Times New Roman" panose="02020603050405020304" pitchFamily="18" charset="0"/>
-                <a:ea typeface="Times New Roman" panose="02020603050405020304" pitchFamily="18" charset="0"/>
-              </a:rPr>
-              <a:t>Multi</a:t>
-            </a:r>
-            <a:r>
-              <a:rPr lang="lv-LV" sz="1800" dirty="0">
-                <a:effectLst/>
-                <a:latin typeface="Times New Roman" panose="02020603050405020304" pitchFamily="18" charset="0"/>
-                <a:ea typeface="Times New Roman" panose="02020603050405020304" pitchFamily="18" charset="0"/>
-              </a:rPr>
-              <a:t>-robot </a:t>
-            </a:r>
-            <a:r>
-              <a:rPr lang="lv-LV" sz="1800" dirty="0" err="1">
-                <a:effectLst/>
-                <a:latin typeface="Times New Roman" panose="02020603050405020304" pitchFamily="18" charset="0"/>
-                <a:ea typeface="Times New Roman" panose="02020603050405020304" pitchFamily="18" charset="0"/>
-              </a:rPr>
-              <a:t>Coverage</a:t>
-            </a:r>
-            <a:r>
-              <a:rPr lang="lv-LV" sz="1800" dirty="0">
-                <a:effectLst/>
-                <a:latin typeface="Times New Roman" panose="02020603050405020304" pitchFamily="18" charset="0"/>
-                <a:ea typeface="Times New Roman" panose="02020603050405020304" pitchFamily="18" charset="0"/>
-              </a:rPr>
-              <a:t>,” </a:t>
-            </a:r>
-            <a:r>
-              <a:rPr lang="lv-LV" sz="1800" dirty="0" err="1">
-                <a:effectLst/>
-                <a:latin typeface="Times New Roman" panose="02020603050405020304" pitchFamily="18" charset="0"/>
-                <a:ea typeface="Times New Roman" panose="02020603050405020304" pitchFamily="18" charset="0"/>
-              </a:rPr>
-              <a:t>in</a:t>
-            </a:r>
-            <a:r>
-              <a:rPr lang="lv-LV" sz="1800" dirty="0">
-                <a:effectLst/>
-                <a:latin typeface="Times New Roman" panose="02020603050405020304" pitchFamily="18" charset="0"/>
-                <a:ea typeface="Times New Roman" panose="02020603050405020304" pitchFamily="18" charset="0"/>
-              </a:rPr>
-              <a:t> </a:t>
-            </a:r>
-            <a:r>
-              <a:rPr lang="lv-LV" sz="1800" i="1" dirty="0" err="1">
-                <a:effectLst/>
-                <a:latin typeface="Times New Roman" panose="02020603050405020304" pitchFamily="18" charset="0"/>
-                <a:ea typeface="Times New Roman" panose="02020603050405020304" pitchFamily="18" charset="0"/>
-              </a:rPr>
-              <a:t>Distributed</a:t>
-            </a:r>
-            <a:r>
-              <a:rPr lang="lv-LV" sz="1800" i="1" dirty="0">
-                <a:effectLst/>
-                <a:latin typeface="Times New Roman" panose="02020603050405020304" pitchFamily="18" charset="0"/>
-                <a:ea typeface="Times New Roman" panose="02020603050405020304" pitchFamily="18" charset="0"/>
-              </a:rPr>
-              <a:t> </a:t>
-            </a:r>
-            <a:r>
-              <a:rPr lang="lv-LV" sz="1800" i="1" dirty="0" err="1">
-                <a:effectLst/>
-                <a:latin typeface="Times New Roman" panose="02020603050405020304" pitchFamily="18" charset="0"/>
-                <a:ea typeface="Times New Roman" panose="02020603050405020304" pitchFamily="18" charset="0"/>
-              </a:rPr>
-              <a:t>Autonomous</a:t>
-            </a:r>
-            <a:r>
-              <a:rPr lang="lv-LV" sz="1800" i="1" dirty="0">
-                <a:effectLst/>
-                <a:latin typeface="Times New Roman" panose="02020603050405020304" pitchFamily="18" charset="0"/>
-                <a:ea typeface="Times New Roman" panose="02020603050405020304" pitchFamily="18" charset="0"/>
-              </a:rPr>
-              <a:t> </a:t>
-            </a:r>
-            <a:r>
-              <a:rPr lang="lv-LV" sz="1800" i="1" dirty="0" err="1">
-                <a:effectLst/>
-                <a:latin typeface="Times New Roman" panose="02020603050405020304" pitchFamily="18" charset="0"/>
-                <a:ea typeface="Times New Roman" panose="02020603050405020304" pitchFamily="18" charset="0"/>
-              </a:rPr>
-              <a:t>Robotic</a:t>
-            </a:r>
-            <a:r>
-              <a:rPr lang="lv-LV" sz="1800" i="1" dirty="0">
-                <a:effectLst/>
-                <a:latin typeface="Times New Roman" panose="02020603050405020304" pitchFamily="18" charset="0"/>
-                <a:ea typeface="Times New Roman" panose="02020603050405020304" pitchFamily="18" charset="0"/>
-              </a:rPr>
-              <a:t> </a:t>
-            </a:r>
-            <a:r>
-              <a:rPr lang="lv-LV" sz="1800" i="1" dirty="0" err="1">
-                <a:effectLst/>
-                <a:latin typeface="Times New Roman" panose="02020603050405020304" pitchFamily="18" charset="0"/>
-                <a:ea typeface="Times New Roman" panose="02020603050405020304" pitchFamily="18" charset="0"/>
-              </a:rPr>
-              <a:t>Systems</a:t>
-            </a:r>
-            <a:r>
-              <a:rPr lang="lv-LV" sz="1800" i="1" dirty="0">
-                <a:effectLst/>
-                <a:latin typeface="Times New Roman" panose="02020603050405020304" pitchFamily="18" charset="0"/>
-                <a:ea typeface="Times New Roman" panose="02020603050405020304" pitchFamily="18" charset="0"/>
-              </a:rPr>
-              <a:t> 5</a:t>
-            </a:r>
-            <a:r>
-              <a:rPr lang="lv-LV" sz="1800" dirty="0">
-                <a:effectLst/>
-                <a:latin typeface="Times New Roman" panose="02020603050405020304" pitchFamily="18" charset="0"/>
-                <a:ea typeface="Times New Roman" panose="02020603050405020304" pitchFamily="18" charset="0"/>
-              </a:rPr>
-              <a:t>, 2002. </a:t>
-            </a:r>
-            <a:r>
-              <a:rPr lang="lv-LV" sz="1800" dirty="0" err="1">
-                <a:effectLst/>
-                <a:latin typeface="Times New Roman" panose="02020603050405020304" pitchFamily="18" charset="0"/>
-                <a:ea typeface="Times New Roman" panose="02020603050405020304" pitchFamily="18" charset="0"/>
-              </a:rPr>
-              <a:t>doi</a:t>
-            </a:r>
-            <a:r>
-              <a:rPr lang="lv-LV" sz="1800" dirty="0">
-                <a:effectLst/>
-                <a:latin typeface="Times New Roman" panose="02020603050405020304" pitchFamily="18" charset="0"/>
-                <a:ea typeface="Times New Roman" panose="02020603050405020304" pitchFamily="18" charset="0"/>
-              </a:rPr>
-              <a:t>: 10.1007/978-4-431-65941-9_37.</a:t>
-            </a:r>
-          </a:p>
-          <a:p>
-            <a:r>
-              <a:rPr lang="lv-LV" sz="1800" dirty="0">
-                <a:effectLst/>
-                <a:latin typeface="Times New Roman" panose="02020603050405020304" pitchFamily="18" charset="0"/>
-                <a:ea typeface="Times New Roman" panose="02020603050405020304" pitchFamily="18" charset="0"/>
-              </a:rPr>
-              <a:t>[38] L. </a:t>
-            </a:r>
-            <a:r>
-              <a:rPr lang="lv-LV" sz="1800" dirty="0" err="1">
-                <a:effectLst/>
-                <a:latin typeface="Times New Roman" panose="02020603050405020304" pitchFamily="18" charset="0"/>
-                <a:ea typeface="Times New Roman" panose="02020603050405020304" pitchFamily="18" charset="0"/>
-              </a:rPr>
-              <a:t>Busoniu</a:t>
-            </a:r>
-            <a:r>
-              <a:rPr lang="lv-LV" sz="1800" dirty="0">
-                <a:effectLst/>
-                <a:latin typeface="Times New Roman" panose="02020603050405020304" pitchFamily="18" charset="0"/>
-                <a:ea typeface="Times New Roman" panose="02020603050405020304" pitchFamily="18" charset="0"/>
-              </a:rPr>
-              <a:t>, R. </a:t>
-            </a:r>
-            <a:r>
-              <a:rPr lang="lv-LV" sz="1800" dirty="0" err="1">
-                <a:effectLst/>
-                <a:latin typeface="Times New Roman" panose="02020603050405020304" pitchFamily="18" charset="0"/>
-                <a:ea typeface="Times New Roman" panose="02020603050405020304" pitchFamily="18" charset="0"/>
-              </a:rPr>
-              <a:t>Babuska</a:t>
-            </a:r>
-            <a:r>
-              <a:rPr lang="lv-LV" sz="1800" dirty="0">
-                <a:effectLst/>
-                <a:latin typeface="Times New Roman" panose="02020603050405020304" pitchFamily="18" charset="0"/>
-                <a:ea typeface="Times New Roman" panose="02020603050405020304" pitchFamily="18" charset="0"/>
-              </a:rPr>
-              <a:t>, </a:t>
-            </a:r>
-            <a:r>
-              <a:rPr lang="lv-LV" sz="1800" dirty="0" err="1">
-                <a:effectLst/>
-                <a:latin typeface="Times New Roman" panose="02020603050405020304" pitchFamily="18" charset="0"/>
-                <a:ea typeface="Times New Roman" panose="02020603050405020304" pitchFamily="18" charset="0"/>
-              </a:rPr>
-              <a:t>and</a:t>
-            </a:r>
-            <a:r>
-              <a:rPr lang="lv-LV" sz="1800" dirty="0">
-                <a:effectLst/>
-                <a:latin typeface="Times New Roman" panose="02020603050405020304" pitchFamily="18" charset="0"/>
-                <a:ea typeface="Times New Roman" panose="02020603050405020304" pitchFamily="18" charset="0"/>
-              </a:rPr>
-              <a:t> B. </a:t>
-            </a:r>
-            <a:r>
-              <a:rPr lang="lv-LV" sz="1800" dirty="0" err="1">
-                <a:effectLst/>
-                <a:latin typeface="Times New Roman" panose="02020603050405020304" pitchFamily="18" charset="0"/>
-                <a:ea typeface="Times New Roman" panose="02020603050405020304" pitchFamily="18" charset="0"/>
-              </a:rPr>
-              <a:t>De</a:t>
-            </a:r>
-            <a:r>
-              <a:rPr lang="lv-LV" sz="1800" dirty="0">
-                <a:effectLst/>
-                <a:latin typeface="Times New Roman" panose="02020603050405020304" pitchFamily="18" charset="0"/>
-                <a:ea typeface="Times New Roman" panose="02020603050405020304" pitchFamily="18" charset="0"/>
-              </a:rPr>
-              <a:t> </a:t>
-            </a:r>
-            <a:r>
-              <a:rPr lang="lv-LV" sz="1800" dirty="0" err="1">
-                <a:effectLst/>
-                <a:latin typeface="Times New Roman" panose="02020603050405020304" pitchFamily="18" charset="0"/>
-                <a:ea typeface="Times New Roman" panose="02020603050405020304" pitchFamily="18" charset="0"/>
-              </a:rPr>
-              <a:t>Schutter</a:t>
-            </a:r>
-            <a:r>
-              <a:rPr lang="lv-LV" sz="1800" dirty="0">
-                <a:effectLst/>
-                <a:latin typeface="Times New Roman" panose="02020603050405020304" pitchFamily="18" charset="0"/>
-                <a:ea typeface="Times New Roman" panose="02020603050405020304" pitchFamily="18" charset="0"/>
-              </a:rPr>
-              <a:t>, “A </a:t>
-            </a:r>
-            <a:r>
-              <a:rPr lang="lv-LV" sz="1800" dirty="0" err="1">
-                <a:effectLst/>
-                <a:latin typeface="Times New Roman" panose="02020603050405020304" pitchFamily="18" charset="0"/>
-                <a:ea typeface="Times New Roman" panose="02020603050405020304" pitchFamily="18" charset="0"/>
-              </a:rPr>
-              <a:t>Comprehensive</a:t>
-            </a:r>
-            <a:r>
-              <a:rPr lang="lv-LV" sz="1800" dirty="0">
-                <a:effectLst/>
-                <a:latin typeface="Times New Roman" panose="02020603050405020304" pitchFamily="18" charset="0"/>
-                <a:ea typeface="Times New Roman" panose="02020603050405020304" pitchFamily="18" charset="0"/>
-              </a:rPr>
-              <a:t> </a:t>
-            </a:r>
-            <a:r>
-              <a:rPr lang="lv-LV" sz="1800" dirty="0" err="1">
-                <a:effectLst/>
-                <a:latin typeface="Times New Roman" panose="02020603050405020304" pitchFamily="18" charset="0"/>
-                <a:ea typeface="Times New Roman" panose="02020603050405020304" pitchFamily="18" charset="0"/>
-              </a:rPr>
-              <a:t>Survey</a:t>
-            </a:r>
-            <a:r>
-              <a:rPr lang="lv-LV" sz="1800" dirty="0">
-                <a:effectLst/>
-                <a:latin typeface="Times New Roman" panose="02020603050405020304" pitchFamily="18" charset="0"/>
-                <a:ea typeface="Times New Roman" panose="02020603050405020304" pitchFamily="18" charset="0"/>
-              </a:rPr>
-              <a:t> </a:t>
-            </a:r>
-            <a:r>
-              <a:rPr lang="lv-LV" sz="1800" dirty="0" err="1">
-                <a:effectLst/>
-                <a:latin typeface="Times New Roman" panose="02020603050405020304" pitchFamily="18" charset="0"/>
-                <a:ea typeface="Times New Roman" panose="02020603050405020304" pitchFamily="18" charset="0"/>
-              </a:rPr>
-              <a:t>of</a:t>
-            </a:r>
-            <a:r>
-              <a:rPr lang="lv-LV" sz="1800" dirty="0">
-                <a:effectLst/>
-                <a:latin typeface="Times New Roman" panose="02020603050405020304" pitchFamily="18" charset="0"/>
-                <a:ea typeface="Times New Roman" panose="02020603050405020304" pitchFamily="18" charset="0"/>
-              </a:rPr>
-              <a:t> </a:t>
-            </a:r>
-            <a:r>
-              <a:rPr lang="lv-LV" sz="1800" dirty="0" err="1">
-                <a:effectLst/>
-                <a:latin typeface="Times New Roman" panose="02020603050405020304" pitchFamily="18" charset="0"/>
-                <a:ea typeface="Times New Roman" panose="02020603050405020304" pitchFamily="18" charset="0"/>
-              </a:rPr>
-              <a:t>Multiagent</a:t>
-            </a:r>
-            <a:r>
-              <a:rPr lang="lv-LV" sz="1800" dirty="0">
-                <a:effectLst/>
-                <a:latin typeface="Times New Roman" panose="02020603050405020304" pitchFamily="18" charset="0"/>
-                <a:ea typeface="Times New Roman" panose="02020603050405020304" pitchFamily="18" charset="0"/>
-              </a:rPr>
-              <a:t> </a:t>
-            </a:r>
-            <a:r>
-              <a:rPr lang="lv-LV" sz="1800" dirty="0" err="1">
-                <a:effectLst/>
-                <a:latin typeface="Times New Roman" panose="02020603050405020304" pitchFamily="18" charset="0"/>
-                <a:ea typeface="Times New Roman" panose="02020603050405020304" pitchFamily="18" charset="0"/>
-              </a:rPr>
-              <a:t>Reinforcement</a:t>
-            </a:r>
-            <a:r>
-              <a:rPr lang="lv-LV" sz="1800" dirty="0">
-                <a:effectLst/>
-                <a:latin typeface="Times New Roman" panose="02020603050405020304" pitchFamily="18" charset="0"/>
-                <a:ea typeface="Times New Roman" panose="02020603050405020304" pitchFamily="18" charset="0"/>
-              </a:rPr>
-              <a:t> </a:t>
-            </a:r>
-            <a:r>
-              <a:rPr lang="lv-LV" sz="1800" dirty="0" err="1">
-                <a:effectLst/>
-                <a:latin typeface="Times New Roman" panose="02020603050405020304" pitchFamily="18" charset="0"/>
-                <a:ea typeface="Times New Roman" panose="02020603050405020304" pitchFamily="18" charset="0"/>
-              </a:rPr>
-              <a:t>Learning</a:t>
-            </a:r>
-            <a:r>
-              <a:rPr lang="lv-LV" sz="1800" dirty="0">
-                <a:effectLst/>
-                <a:latin typeface="Times New Roman" panose="02020603050405020304" pitchFamily="18" charset="0"/>
-                <a:ea typeface="Times New Roman" panose="02020603050405020304" pitchFamily="18" charset="0"/>
-              </a:rPr>
-              <a:t>,” </a:t>
-            </a:r>
-            <a:r>
-              <a:rPr lang="lv-LV" sz="1800" i="1" dirty="0">
-                <a:effectLst/>
-                <a:latin typeface="Times New Roman" panose="02020603050405020304" pitchFamily="18" charset="0"/>
-                <a:ea typeface="Times New Roman" panose="02020603050405020304" pitchFamily="18" charset="0"/>
-              </a:rPr>
-              <a:t>IEEE </a:t>
-            </a:r>
-            <a:r>
-              <a:rPr lang="lv-LV" sz="1800" i="1" dirty="0" err="1">
-                <a:effectLst/>
-                <a:latin typeface="Times New Roman" panose="02020603050405020304" pitchFamily="18" charset="0"/>
-                <a:ea typeface="Times New Roman" panose="02020603050405020304" pitchFamily="18" charset="0"/>
-              </a:rPr>
-              <a:t>Transactions</a:t>
-            </a:r>
-            <a:r>
-              <a:rPr lang="lv-LV" sz="1800" i="1" dirty="0">
-                <a:effectLst/>
-                <a:latin typeface="Times New Roman" panose="02020603050405020304" pitchFamily="18" charset="0"/>
-                <a:ea typeface="Times New Roman" panose="02020603050405020304" pitchFamily="18" charset="0"/>
-              </a:rPr>
-              <a:t> </a:t>
-            </a:r>
-            <a:r>
-              <a:rPr lang="lv-LV" sz="1800" i="1" dirty="0" err="1">
-                <a:effectLst/>
-                <a:latin typeface="Times New Roman" panose="02020603050405020304" pitchFamily="18" charset="0"/>
-                <a:ea typeface="Times New Roman" panose="02020603050405020304" pitchFamily="18" charset="0"/>
-              </a:rPr>
-              <a:t>on</a:t>
-            </a:r>
-            <a:r>
-              <a:rPr lang="lv-LV" sz="1800" i="1" dirty="0">
-                <a:effectLst/>
-                <a:latin typeface="Times New Roman" panose="02020603050405020304" pitchFamily="18" charset="0"/>
-                <a:ea typeface="Times New Roman" panose="02020603050405020304" pitchFamily="18" charset="0"/>
-              </a:rPr>
-              <a:t> </a:t>
-            </a:r>
-            <a:r>
-              <a:rPr lang="lv-LV" sz="1800" i="1" dirty="0" err="1">
-                <a:effectLst/>
-                <a:latin typeface="Times New Roman" panose="02020603050405020304" pitchFamily="18" charset="0"/>
-                <a:ea typeface="Times New Roman" panose="02020603050405020304" pitchFamily="18" charset="0"/>
-              </a:rPr>
-              <a:t>Systems</a:t>
-            </a:r>
-            <a:r>
-              <a:rPr lang="lv-LV" sz="1800" i="1" dirty="0">
-                <a:effectLst/>
-                <a:latin typeface="Times New Roman" panose="02020603050405020304" pitchFamily="18" charset="0"/>
-                <a:ea typeface="Times New Roman" panose="02020603050405020304" pitchFamily="18" charset="0"/>
-              </a:rPr>
-              <a:t>, Man, </a:t>
-            </a:r>
-            <a:r>
-              <a:rPr lang="lv-LV" sz="1800" i="1" dirty="0" err="1">
-                <a:effectLst/>
-                <a:latin typeface="Times New Roman" panose="02020603050405020304" pitchFamily="18" charset="0"/>
-                <a:ea typeface="Times New Roman" panose="02020603050405020304" pitchFamily="18" charset="0"/>
-              </a:rPr>
-              <a:t>and</a:t>
-            </a:r>
-            <a:r>
-              <a:rPr lang="lv-LV" sz="1800" i="1" dirty="0">
-                <a:effectLst/>
-                <a:latin typeface="Times New Roman" panose="02020603050405020304" pitchFamily="18" charset="0"/>
-                <a:ea typeface="Times New Roman" panose="02020603050405020304" pitchFamily="18" charset="0"/>
-              </a:rPr>
-              <a:t> </a:t>
-            </a:r>
-            <a:r>
-              <a:rPr lang="lv-LV" sz="1800" i="1" dirty="0" err="1">
-                <a:effectLst/>
-                <a:latin typeface="Times New Roman" panose="02020603050405020304" pitchFamily="18" charset="0"/>
-                <a:ea typeface="Times New Roman" panose="02020603050405020304" pitchFamily="18" charset="0"/>
-              </a:rPr>
-              <a:t>Cybernetics</a:t>
-            </a:r>
-            <a:r>
-              <a:rPr lang="lv-LV" sz="1800" i="1" dirty="0">
-                <a:effectLst/>
-                <a:latin typeface="Times New Roman" panose="02020603050405020304" pitchFamily="18" charset="0"/>
-                <a:ea typeface="Times New Roman" panose="02020603050405020304" pitchFamily="18" charset="0"/>
-              </a:rPr>
-              <a:t>, </a:t>
-            </a:r>
-            <a:r>
-              <a:rPr lang="lv-LV" sz="1800" i="1" dirty="0" err="1">
-                <a:effectLst/>
-                <a:latin typeface="Times New Roman" panose="02020603050405020304" pitchFamily="18" charset="0"/>
-                <a:ea typeface="Times New Roman" panose="02020603050405020304" pitchFamily="18" charset="0"/>
-              </a:rPr>
-              <a:t>Part</a:t>
-            </a:r>
-            <a:r>
-              <a:rPr lang="lv-LV" sz="1800" i="1" dirty="0">
-                <a:effectLst/>
-                <a:latin typeface="Times New Roman" panose="02020603050405020304" pitchFamily="18" charset="0"/>
-                <a:ea typeface="Times New Roman" panose="02020603050405020304" pitchFamily="18" charset="0"/>
-              </a:rPr>
-              <a:t> C (</a:t>
-            </a:r>
-            <a:r>
-              <a:rPr lang="lv-LV" sz="1800" i="1" dirty="0" err="1">
-                <a:effectLst/>
-                <a:latin typeface="Times New Roman" panose="02020603050405020304" pitchFamily="18" charset="0"/>
-                <a:ea typeface="Times New Roman" panose="02020603050405020304" pitchFamily="18" charset="0"/>
-              </a:rPr>
-              <a:t>Applications</a:t>
-            </a:r>
-            <a:r>
-              <a:rPr lang="lv-LV" sz="1800" i="1" dirty="0">
-                <a:effectLst/>
-                <a:latin typeface="Times New Roman" panose="02020603050405020304" pitchFamily="18" charset="0"/>
-                <a:ea typeface="Times New Roman" panose="02020603050405020304" pitchFamily="18" charset="0"/>
-              </a:rPr>
-              <a:t> </a:t>
-            </a:r>
-            <a:r>
-              <a:rPr lang="lv-LV" sz="1800" i="1" dirty="0" err="1">
-                <a:effectLst/>
-                <a:latin typeface="Times New Roman" panose="02020603050405020304" pitchFamily="18" charset="0"/>
-                <a:ea typeface="Times New Roman" panose="02020603050405020304" pitchFamily="18" charset="0"/>
-              </a:rPr>
-              <a:t>and</a:t>
-            </a:r>
-            <a:r>
-              <a:rPr lang="lv-LV" sz="1800" i="1" dirty="0">
-                <a:effectLst/>
-                <a:latin typeface="Times New Roman" panose="02020603050405020304" pitchFamily="18" charset="0"/>
-                <a:ea typeface="Times New Roman" panose="02020603050405020304" pitchFamily="18" charset="0"/>
-              </a:rPr>
-              <a:t> </a:t>
-            </a:r>
-            <a:r>
-              <a:rPr lang="lv-LV" sz="1800" i="1" dirty="0" err="1">
-                <a:effectLst/>
-                <a:latin typeface="Times New Roman" panose="02020603050405020304" pitchFamily="18" charset="0"/>
-                <a:ea typeface="Times New Roman" panose="02020603050405020304" pitchFamily="18" charset="0"/>
-              </a:rPr>
-              <a:t>Reviews</a:t>
-            </a:r>
-            <a:r>
-              <a:rPr lang="lv-LV" sz="1800" i="1" dirty="0">
-                <a:effectLst/>
-                <a:latin typeface="Times New Roman" panose="02020603050405020304" pitchFamily="18" charset="0"/>
-                <a:ea typeface="Times New Roman" panose="02020603050405020304" pitchFamily="18" charset="0"/>
-              </a:rPr>
-              <a:t>)</a:t>
-            </a:r>
-            <a:r>
-              <a:rPr lang="lv-LV" sz="1800" dirty="0">
-                <a:effectLst/>
-                <a:latin typeface="Times New Roman" panose="02020603050405020304" pitchFamily="18" charset="0"/>
-                <a:ea typeface="Times New Roman" panose="02020603050405020304" pitchFamily="18" charset="0"/>
-              </a:rPr>
-              <a:t>, </a:t>
-            </a:r>
-            <a:r>
-              <a:rPr lang="lv-LV" sz="1800" dirty="0" err="1">
-                <a:effectLst/>
-                <a:latin typeface="Times New Roman" panose="02020603050405020304" pitchFamily="18" charset="0"/>
-                <a:ea typeface="Times New Roman" panose="02020603050405020304" pitchFamily="18" charset="0"/>
-              </a:rPr>
-              <a:t>vol</a:t>
-            </a:r>
-            <a:r>
-              <a:rPr lang="lv-LV" sz="1800" dirty="0">
-                <a:effectLst/>
-                <a:latin typeface="Times New Roman" panose="02020603050405020304" pitchFamily="18" charset="0"/>
-                <a:ea typeface="Times New Roman" panose="02020603050405020304" pitchFamily="18" charset="0"/>
-              </a:rPr>
-              <a:t>. 38, no. 2, </a:t>
-            </a:r>
-            <a:r>
-              <a:rPr lang="lv-LV" sz="1800" dirty="0" err="1">
-                <a:effectLst/>
-                <a:latin typeface="Times New Roman" panose="02020603050405020304" pitchFamily="18" charset="0"/>
-                <a:ea typeface="Times New Roman" panose="02020603050405020304" pitchFamily="18" charset="0"/>
-              </a:rPr>
-              <a:t>pp</a:t>
-            </a:r>
-            <a:r>
-              <a:rPr lang="lv-LV" sz="1800" dirty="0">
-                <a:effectLst/>
-                <a:latin typeface="Times New Roman" panose="02020603050405020304" pitchFamily="18" charset="0"/>
-                <a:ea typeface="Times New Roman" panose="02020603050405020304" pitchFamily="18" charset="0"/>
-              </a:rPr>
-              <a:t>. 156–172, 2008, </a:t>
-            </a:r>
-            <a:r>
-              <a:rPr lang="lv-LV" sz="1800" dirty="0" err="1">
-                <a:effectLst/>
-                <a:latin typeface="Times New Roman" panose="02020603050405020304" pitchFamily="18" charset="0"/>
-                <a:ea typeface="Times New Roman" panose="02020603050405020304" pitchFamily="18" charset="0"/>
-              </a:rPr>
-              <a:t>doi</a:t>
-            </a:r>
-            <a:r>
-              <a:rPr lang="lv-LV" sz="1800" dirty="0">
-                <a:effectLst/>
-                <a:latin typeface="Times New Roman" panose="02020603050405020304" pitchFamily="18" charset="0"/>
-                <a:ea typeface="Times New Roman" panose="02020603050405020304" pitchFamily="18" charset="0"/>
-              </a:rPr>
-              <a:t>: 10.1109/TSMCC.2007.913919.</a:t>
             </a:r>
             <a:endParaRPr lang="lv-LV" dirty="0"/>
           </a:p>
@@ -8564,7 +7763,19 @@
           <a:p>
             <a:r>
               <a:rPr lang="lv-LV" dirty="0"/>
-              <a:t>Jānorāda, kādi darba uzdevumi jau ir izpildīti, kādi rezultāti jau ir sasniegti, kādas atziņas jau ir iegūtas, u.t.t. Jāsniedz izvērsti skaidrojumi vai jāparāda jau iegūti rezultāti, tai skaitā praktiskie rezultāti</a:t>
+              <a:t>Tika izpētīti pārklājuma ceļa meklēšanas algoritmi, virzītās apmācības un vairāku aģentu virzītās apmācības metodes. Tika izpētīta vairāku aģentu virzītas apmācības pielietojamība pārklājuma ceļa meklēšanai.</a:t>
+            </a:r>
+          </a:p>
+          <a:p>
+            <a:r>
+              <a:rPr lang="lv-LV" dirty="0"/>
+              <a:t>Tika īstenots un notestēts iekštelpu vides procedurālas ģenerācijas algoritms, kas rada vides ar lielu variāciju.</a:t>
+            </a:r>
+          </a:p>
+          <a:p>
+            <a:r>
+              <a:rPr lang="lv-LV" dirty="0"/>
+              <a:t>Tika izveidots virtuālais aģents, kas ir spējīgs savākt informāciju par apkārtējo vidi, pārvietoties, un iedarboties uz to.</a:t>
             </a:r>
           </a:p>
           <a:p>
@@ -8667,7 +7878,29 @@
           <a:p>
             <a:r>
               <a:rPr lang="lv-LV" dirty="0"/>
-              <a:t>Jānorāda, kas vēl ir jāizdara līdz darba iesniegšanai, t.i. kādi uzdevumi vēl ir jāpaveic un/vai kādi rezultāti vēl ir jāsasniedz </a:t>
+              <a:t>Izmantojot virzīto apmācību uztrenēt modeli vairāku aģentu pārklājuma ceļa meklēšanai. Modeļa veidošanai un trenēšanai tiks izmantots « </a:t>
+            </a:r>
+            <a:r>
+              <a:rPr lang="lv-LV" dirty="0" err="1"/>
+              <a:t>Unity</a:t>
+            </a:r>
+            <a:r>
+              <a:rPr lang="lv-LV" dirty="0"/>
+              <a:t> ML </a:t>
+            </a:r>
+            <a:r>
+              <a:rPr lang="lv-LV" dirty="0" err="1"/>
+              <a:t>Agents</a:t>
+            </a:r>
+            <a:r>
+              <a:rPr lang="lv-LV" dirty="0"/>
+              <a:t>» platformu.</a:t>
+            </a:r>
+          </a:p>
+          <a:p>
+            <a:r>
+              <a:rPr lang="lv-LV" dirty="0"/>
+              <a:t>Novērtēt modeļa efektivitāti dažādos scenārijos un veikt secinājumus.</a:t>
             </a:r>
           </a:p>
           <a:p>
@@ -8729,6 +7962,36 @@
           </a:p>
         </p:txBody>
       </p:sp>
+      <p:pic>
+        <p:nvPicPr>
+          <p:cNvPr id="6" name="Picture 5">
+            <a:extLst>
+              <a:ext uri="{FF2B5EF4-FFF2-40B4-BE49-F238E27FC236}">
+                <a16:creationId xmlns:a16="http://schemas.microsoft.com/office/drawing/2014/main" id="{07137D6A-6BCE-B77D-A125-04FEDB3A2F42}"/>
+              </a:ext>
+            </a:extLst>
+          </p:cNvPr>
+          <p:cNvPicPr>
+            <a:picLocks noChangeAspect="1"/>
+          </p:cNvPicPr>
+          <p:nvPr/>
+        </p:nvPicPr>
+        <p:blipFill>
+          <a:blip r:embed="rId2"/>
+          <a:stretch>
+            <a:fillRect/>
+          </a:stretch>
+        </p:blipFill>
+        <p:spPr>
+          <a:xfrm>
+            <a:off x="2672862" y="2948884"/>
+            <a:ext cx="6389076" cy="3059927"/>
+          </a:xfrm>
+          <a:prstGeom prst="rect">
+            <a:avLst/>
+          </a:prstGeom>
+        </p:spPr>
+      </p:pic>
     </p:spTree>
     <p:extLst>
       <p:ext uri="{BB962C8B-B14F-4D97-AF65-F5344CB8AC3E}">
@@ -8759,31 +8022,35 @@
           <a:chExt cx="0" cy="0"/>
         </a:xfrm>
       </p:grpSpPr>
-      <p:sp>
-        <p:nvSpPr>
-          <p:cNvPr id="2" name="Satura vietturis 1">
+      <p:pic>
+        <p:nvPicPr>
+          <p:cNvPr id="6" name="Content Placeholder 5">
             <a:extLst>
               <a:ext uri="{FF2B5EF4-FFF2-40B4-BE49-F238E27FC236}">
-                <a16:creationId xmlns:a16="http://schemas.microsoft.com/office/drawing/2014/main" id="{67B48D6B-CB4B-4CD3-AEEE-7F72C21E45B0}"/>
+                <a16:creationId xmlns:a16="http://schemas.microsoft.com/office/drawing/2014/main" id="{F248A079-8AB6-19D4-86C0-4FED818DDC05}"/>
               </a:ext>
             </a:extLst>
           </p:cNvPr>
-          <p:cNvSpPr>
-            <a:spLocks noGrp="1"/>
-          </p:cNvSpPr>
+          <p:cNvPicPr>
+            <a:picLocks noGrp="1" noChangeAspect="1"/>
+          </p:cNvPicPr>
           <p:nvPr>
             <p:ph idx="1"/>
           </p:nvPr>
-        </p:nvSpPr>
-        <p:spPr/>
-        <p:txBody>
-          <a:bodyPr/>
-          <a:lstStyle/>
-          <a:p>
-            <a:endParaRPr lang="lv-LV"/>
-          </a:p>
-        </p:txBody>
-      </p:sp>
+        </p:nvPicPr>
+        <p:blipFill>
+          <a:blip r:embed="rId2"/>
+          <a:stretch>
+            <a:fillRect/>
+          </a:stretch>
+        </p:blipFill>
+        <p:spPr>
+          <a:xfrm>
+            <a:off x="2914428" y="3013319"/>
+            <a:ext cx="5823881" cy="2789238"/>
+          </a:xfrm>
+        </p:spPr>
+      </p:pic>
       <p:sp>
         <p:nvSpPr>
           <p:cNvPr id="3" name="Virsraksts 2">
@@ -8837,6 +8104,95 @@
               <a:rPr lang="en-US" dirty="0"/>
               <a:t>Rīgas Tehniskā universitāte</a:t>
             </a:r>
+          </a:p>
+        </p:txBody>
+      </p:sp>
+      <p:sp>
+        <p:nvSpPr>
+          <p:cNvPr id="8" name="TextBox 7">
+            <a:extLst>
+              <a:ext uri="{FF2B5EF4-FFF2-40B4-BE49-F238E27FC236}">
+                <a16:creationId xmlns:a16="http://schemas.microsoft.com/office/drawing/2014/main" id="{7061BF70-811F-5FCC-8273-BC040CA0F7AE}"/>
+              </a:ext>
+            </a:extLst>
+          </p:cNvPr>
+          <p:cNvSpPr txBox="1"/>
+          <p:nvPr/>
+        </p:nvSpPr>
+        <p:spPr>
+          <a:xfrm>
+            <a:off x="1219200" y="1301262"/>
+            <a:ext cx="5509845" cy="1415772"/>
+          </a:xfrm>
+          <a:prstGeom prst="rect">
+            <a:avLst/>
+          </a:prstGeom>
+          <a:noFill/>
+        </p:spPr>
+        <p:txBody>
+          <a:bodyPr wrap="square" rtlCol="0">
+            <a:spAutoFit/>
+          </a:bodyPr>
+          <a:lstStyle/>
+          <a:p>
+            <a:pPr marL="342900" indent="-342900">
+              <a:spcBef>
+                <a:spcPct val="20000"/>
+              </a:spcBef>
+              <a:buFont typeface="Wingdings" charset="2"/>
+              <a:buChar char="§"/>
+            </a:pPr>
+            <a:r>
+              <a:rPr lang="en-LV" sz="2000" dirty="0">
+                <a:solidFill>
+                  <a:schemeClr val="accent1"/>
+                </a:solidFill>
+                <a:latin typeface="Arial"/>
+                <a:cs typeface="Arial"/>
+              </a:rPr>
+              <a:t>Aģentu sadarbība un komunikācija.</a:t>
+            </a:r>
+          </a:p>
+          <a:p>
+            <a:pPr marL="342900" indent="-342900">
+              <a:spcBef>
+                <a:spcPct val="20000"/>
+              </a:spcBef>
+              <a:buFont typeface="Wingdings" charset="2"/>
+              <a:buChar char="§"/>
+            </a:pPr>
+            <a:r>
+              <a:rPr lang="en-LV" sz="2000" dirty="0">
+                <a:solidFill>
+                  <a:schemeClr val="accent1"/>
+                </a:solidFill>
+                <a:latin typeface="Arial"/>
+                <a:cs typeface="Arial"/>
+              </a:rPr>
+              <a:t>Pilna pārklājuma sasniegšana.</a:t>
+            </a:r>
+          </a:p>
+          <a:p>
+            <a:pPr marL="342900" indent="-342900">
+              <a:spcBef>
+                <a:spcPct val="20000"/>
+              </a:spcBef>
+              <a:buFont typeface="Wingdings" charset="2"/>
+              <a:buChar char="§"/>
+            </a:pPr>
+            <a:r>
+              <a:rPr lang="en-LV" sz="2000" dirty="0">
+                <a:solidFill>
+                  <a:schemeClr val="accent1"/>
+                </a:solidFill>
+                <a:latin typeface="Arial"/>
+                <a:cs typeface="Arial"/>
+              </a:rPr>
+              <a:t>Modeļa trenēšanas laikietilpīgums.</a:t>
+            </a:r>
+          </a:p>
+          <a:p>
+            <a:endParaRPr lang="en-LV" dirty="0"/>
           </a:p>
         </p:txBody>
       </p:sp>
@@ -9879,15 +9235,6 @@
 </file>
 
 <file path=customXml/item1.xml><?xml version="1.0" encoding="utf-8"?>
-<?mso-contentType ?>
-<FormTemplates xmlns="http://schemas.microsoft.com/sharepoint/v3/contenttype/forms">
-  <Display>DocumentLibraryForm</Display>
-  <Edit>DocumentLibraryForm</Edit>
-  <New>DocumentLibraryForm</New>
-</FormTemplates>
-</file>
-
-<file path=customXml/item2.xml><?xml version="1.0" encoding="utf-8"?>
 <ct:contentTypeSchema xmlns:ct="http://schemas.microsoft.com/office/2006/metadata/contentType" xmlns:ma="http://schemas.microsoft.com/office/2006/metadata/properties/metaAttributes" ct:_="" ma:_="" ma:contentTypeName="Dokuments" ma:contentTypeID="0x01010067946712EBE05F42B156DA2569E31789" ma:contentTypeVersion="2" ma:contentTypeDescription="Izveidot jaunu dokumentu." ma:contentTypeScope="" ma:versionID="fa93f60df8ac12f8eacee93447378c8d">
   <xsd:schema xmlns:xsd="http://www.w3.org/2001/XMLSchema" xmlns:xs="http://www.w3.org/2001/XMLSchema" xmlns:p="http://schemas.microsoft.com/office/2006/metadata/properties" xmlns:ns2="f7ae2d71-6cb9-4ac1-b1ad-68aa4efc7a5e" targetNamespace="http://schemas.microsoft.com/office/2006/metadata/properties" ma:root="true" ma:fieldsID="3fa4aae2b914b1424020cfd6ff0d25ce" ns2:_="">
     <xsd:import namespace="f7ae2d71-6cb9-4ac1-b1ad-68aa4efc7a5e"/>
@@ -10019,6 +9366,15 @@
 </ct:contentTypeSchema>
 </file>
 
+<file path=customXml/item2.xml><?xml version="1.0" encoding="utf-8"?>
+<?mso-contentType ?>
+<FormTemplates xmlns="http://schemas.microsoft.com/sharepoint/v3/contenttype/forms">
+  <Display>DocumentLibraryForm</Display>
+  <Edit>DocumentLibraryForm</Edit>
+  <New>DocumentLibraryForm</New>
+</FormTemplates>
+</file>
+
 <file path=customXml/item3.xml><?xml version="1.0" encoding="utf-8"?>
 <p:properties xmlns:p="http://schemas.microsoft.com/office/2006/metadata/properties" xmlns:xsi="http://www.w3.org/2001/XMLSchema-instance" xmlns:pc="http://schemas.microsoft.com/office/infopath/2007/PartnerControls">
   <documentManagement/>
@@ -10026,14 +9382,6 @@
 </file>
 
 <file path=customXml/itemProps1.xml><?xml version="1.0" encoding="utf-8"?>
-<ds:datastoreItem xmlns:ds="http://schemas.openxmlformats.org/officeDocument/2006/customXml" ds:itemID="{470FA1DA-D6F1-4098-8C00-FFAD2FE8CB70}">
-  <ds:schemaRefs>
-    <ds:schemaRef ds:uri="http://schemas.microsoft.com/sharepoint/v3/contenttype/forms"/>
-  </ds:schemaRefs>
-</ds:datastoreItem>
-</file>
-
-<file path=customXml/itemProps2.xml><?xml version="1.0" encoding="utf-8"?>
 <ds:datastoreItem xmlns:ds="http://schemas.openxmlformats.org/officeDocument/2006/customXml" ds:itemID="{398C5EC5-F89A-46D2-A085-47783B42FECC}">
   <ds:schemaRefs>
     <ds:schemaRef ds:uri="http://schemas.microsoft.com/office/2006/metadata/contentType"/>
@@ -10047,6 +9395,14 @@
     <ds:schemaRef ds:uri="http://purl.org/dc/elements/1.1/"/>
     <ds:schemaRef ds:uri="http://purl.org/dc/terms/"/>
     <ds:schemaRef ds:uri="http://schemas.microsoft.com/internal/obd"/>
+  </ds:schemaRefs>
+</ds:datastoreItem>
+</file>
+
+<file path=customXml/itemProps2.xml><?xml version="1.0" encoding="utf-8"?>
+<ds:datastoreItem xmlns:ds="http://schemas.openxmlformats.org/officeDocument/2006/customXml" ds:itemID="{470FA1DA-D6F1-4098-8C00-FFAD2FE8CB70}">
+  <ds:schemaRefs>
+    <ds:schemaRef ds:uri="http://schemas.microsoft.com/sharepoint/v3/contenttype/forms"/>
   </ds:schemaRefs>
 </ds:datastoreItem>
 </file>

--- a/Misc/bakalaura_darbs.pptx
+++ b/Misc/bakalaura_darbs.pptx
@@ -240,7 +240,7 @@
           <a:p>
             <a:fld id="{A3FDBB95-2919-BA49-BF3E-F989F8D69C19}" type="datetimeFigureOut">
               <a:rPr lang="en-US" smtClean="0"/>
-              <a:t>4/18/23</a:t>
+              <a:t>4/28/2023</a:t>
             </a:fld>
             <a:endParaRPr lang="en-US"/>
           </a:p>
@@ -406,7 +406,7 @@
           <a:p>
             <a:fld id="{D11E34D1-F639-E448-89D5-A8813FF58557}" type="datetimeFigureOut">
               <a:rPr lang="en-US" smtClean="0"/>
-              <a:t>4/18/23</a:t>
+              <a:t>4/28/2023</a:t>
             </a:fld>
             <a:endParaRPr lang="en-US"/>
           </a:p>
@@ -7038,626 +7038,6 @@
               <a:t>[38 – 48] – vairāku aģentu virzītā apmācība</a:t>
             </a:r>
           </a:p>
-          <a:p>
-            <a:endParaRPr lang="lv-LV" dirty="0"/>
-          </a:p>
-          <a:p>
-            <a:r>
-              <a:rPr lang="lv-LV" sz="1800" dirty="0">
-                <a:effectLst/>
-                <a:latin typeface="Times New Roman" panose="02020603050405020304" pitchFamily="18" charset="0"/>
-                <a:ea typeface="Times New Roman" panose="02020603050405020304" pitchFamily="18" charset="0"/>
-              </a:rPr>
-              <a:t>[14] R. </a:t>
-            </a:r>
-            <a:r>
-              <a:rPr lang="lv-LV" sz="1800" dirty="0" err="1">
-                <a:effectLst/>
-                <a:latin typeface="Times New Roman" panose="02020603050405020304" pitchFamily="18" charset="0"/>
-                <a:ea typeface="Times New Roman" panose="02020603050405020304" pitchFamily="18" charset="0"/>
-              </a:rPr>
-              <a:t>Lowe</a:t>
-            </a:r>
-            <a:r>
-              <a:rPr lang="lv-LV" sz="1800" dirty="0">
-                <a:effectLst/>
-                <a:latin typeface="Times New Roman" panose="02020603050405020304" pitchFamily="18" charset="0"/>
-                <a:ea typeface="Times New Roman" panose="02020603050405020304" pitchFamily="18" charset="0"/>
-              </a:rPr>
-              <a:t>, </a:t>
-            </a:r>
-            <a:r>
-              <a:rPr lang="lv-LV" sz="1800" dirty="0" err="1">
-                <a:effectLst/>
-                <a:latin typeface="Times New Roman" panose="02020603050405020304" pitchFamily="18" charset="0"/>
-                <a:ea typeface="Times New Roman" panose="02020603050405020304" pitchFamily="18" charset="0"/>
-              </a:rPr>
-              <a:t>Y</a:t>
-            </a:r>
-            <a:r>
-              <a:rPr lang="lv-LV" sz="1800" dirty="0">
-                <a:effectLst/>
-                <a:latin typeface="Times New Roman" panose="02020603050405020304" pitchFamily="18" charset="0"/>
-                <a:ea typeface="Times New Roman" panose="02020603050405020304" pitchFamily="18" charset="0"/>
-              </a:rPr>
-              <a:t>. I. WU, A. </a:t>
-            </a:r>
-            <a:r>
-              <a:rPr lang="lv-LV" sz="1800" dirty="0" err="1">
-                <a:effectLst/>
-                <a:latin typeface="Times New Roman" panose="02020603050405020304" pitchFamily="18" charset="0"/>
-                <a:ea typeface="Times New Roman" panose="02020603050405020304" pitchFamily="18" charset="0"/>
-              </a:rPr>
-              <a:t>Tamar</a:t>
-            </a:r>
-            <a:r>
-              <a:rPr lang="lv-LV" sz="1800" dirty="0">
-                <a:effectLst/>
-                <a:latin typeface="Times New Roman" panose="02020603050405020304" pitchFamily="18" charset="0"/>
-                <a:ea typeface="Times New Roman" panose="02020603050405020304" pitchFamily="18" charset="0"/>
-              </a:rPr>
-              <a:t>, J. </a:t>
-            </a:r>
-            <a:r>
-              <a:rPr lang="lv-LV" sz="1800" dirty="0" err="1">
-                <a:effectLst/>
-                <a:latin typeface="Times New Roman" panose="02020603050405020304" pitchFamily="18" charset="0"/>
-                <a:ea typeface="Times New Roman" panose="02020603050405020304" pitchFamily="18" charset="0"/>
-              </a:rPr>
-              <a:t>Harb</a:t>
-            </a:r>
-            <a:r>
-              <a:rPr lang="lv-LV" sz="1800" dirty="0">
-                <a:effectLst/>
-                <a:latin typeface="Times New Roman" panose="02020603050405020304" pitchFamily="18" charset="0"/>
-                <a:ea typeface="Times New Roman" panose="02020603050405020304" pitchFamily="18" charset="0"/>
-              </a:rPr>
-              <a:t>, </a:t>
-            </a:r>
-            <a:r>
-              <a:rPr lang="lv-LV" sz="1800" dirty="0" err="1">
-                <a:effectLst/>
-                <a:latin typeface="Times New Roman" panose="02020603050405020304" pitchFamily="18" charset="0"/>
-                <a:ea typeface="Times New Roman" panose="02020603050405020304" pitchFamily="18" charset="0"/>
-              </a:rPr>
-              <a:t>O</a:t>
-            </a:r>
-            <a:r>
-              <a:rPr lang="lv-LV" sz="1800" dirty="0">
-                <a:effectLst/>
-                <a:latin typeface="Times New Roman" panose="02020603050405020304" pitchFamily="18" charset="0"/>
-                <a:ea typeface="Times New Roman" panose="02020603050405020304" pitchFamily="18" charset="0"/>
-              </a:rPr>
-              <a:t>. </a:t>
-            </a:r>
-            <a:r>
-              <a:rPr lang="lv-LV" sz="1800" dirty="0" err="1">
-                <a:effectLst/>
-                <a:latin typeface="Times New Roman" panose="02020603050405020304" pitchFamily="18" charset="0"/>
-                <a:ea typeface="Times New Roman" panose="02020603050405020304" pitchFamily="18" charset="0"/>
-              </a:rPr>
-              <a:t>Pieter</a:t>
-            </a:r>
-            <a:r>
-              <a:rPr lang="lv-LV" sz="1800" dirty="0">
-                <a:effectLst/>
-                <a:latin typeface="Times New Roman" panose="02020603050405020304" pitchFamily="18" charset="0"/>
-                <a:ea typeface="Times New Roman" panose="02020603050405020304" pitchFamily="18" charset="0"/>
-              </a:rPr>
-              <a:t> </a:t>
-            </a:r>
-            <a:r>
-              <a:rPr lang="lv-LV" sz="1800" dirty="0" err="1">
-                <a:effectLst/>
-                <a:latin typeface="Times New Roman" panose="02020603050405020304" pitchFamily="18" charset="0"/>
-                <a:ea typeface="Times New Roman" panose="02020603050405020304" pitchFamily="18" charset="0"/>
-              </a:rPr>
-              <a:t>Abbeel</a:t>
-            </a:r>
-            <a:r>
-              <a:rPr lang="lv-LV" sz="1800" dirty="0">
-                <a:effectLst/>
-                <a:latin typeface="Times New Roman" panose="02020603050405020304" pitchFamily="18" charset="0"/>
-                <a:ea typeface="Times New Roman" panose="02020603050405020304" pitchFamily="18" charset="0"/>
-              </a:rPr>
-              <a:t>, </a:t>
-            </a:r>
-            <a:r>
-              <a:rPr lang="lv-LV" sz="1800" dirty="0" err="1">
-                <a:effectLst/>
-                <a:latin typeface="Times New Roman" panose="02020603050405020304" pitchFamily="18" charset="0"/>
-                <a:ea typeface="Times New Roman" panose="02020603050405020304" pitchFamily="18" charset="0"/>
-              </a:rPr>
-              <a:t>and</a:t>
-            </a:r>
-            <a:r>
-              <a:rPr lang="lv-LV" sz="1800" dirty="0">
-                <a:effectLst/>
-                <a:latin typeface="Times New Roman" panose="02020603050405020304" pitchFamily="18" charset="0"/>
-                <a:ea typeface="Times New Roman" panose="02020603050405020304" pitchFamily="18" charset="0"/>
-              </a:rPr>
-              <a:t> I. </a:t>
-            </a:r>
-            <a:r>
-              <a:rPr lang="lv-LV" sz="1800" dirty="0" err="1">
-                <a:effectLst/>
-                <a:latin typeface="Times New Roman" panose="02020603050405020304" pitchFamily="18" charset="0"/>
-                <a:ea typeface="Times New Roman" panose="02020603050405020304" pitchFamily="18" charset="0"/>
-              </a:rPr>
-              <a:t>Mordatch</a:t>
-            </a:r>
-            <a:r>
-              <a:rPr lang="lv-LV" sz="1800" dirty="0">
-                <a:effectLst/>
-                <a:latin typeface="Times New Roman" panose="02020603050405020304" pitchFamily="18" charset="0"/>
-                <a:ea typeface="Times New Roman" panose="02020603050405020304" pitchFamily="18" charset="0"/>
-              </a:rPr>
-              <a:t>, “</a:t>
-            </a:r>
-            <a:r>
-              <a:rPr lang="lv-LV" sz="1800" dirty="0" err="1">
-                <a:effectLst/>
-                <a:latin typeface="Times New Roman" panose="02020603050405020304" pitchFamily="18" charset="0"/>
-                <a:ea typeface="Times New Roman" panose="02020603050405020304" pitchFamily="18" charset="0"/>
-              </a:rPr>
-              <a:t>Multi-Agent</a:t>
-            </a:r>
-            <a:r>
-              <a:rPr lang="lv-LV" sz="1800" dirty="0">
-                <a:effectLst/>
-                <a:latin typeface="Times New Roman" panose="02020603050405020304" pitchFamily="18" charset="0"/>
-                <a:ea typeface="Times New Roman" panose="02020603050405020304" pitchFamily="18" charset="0"/>
-              </a:rPr>
-              <a:t> </a:t>
-            </a:r>
-            <a:r>
-              <a:rPr lang="lv-LV" sz="1800" dirty="0" err="1">
-                <a:effectLst/>
-                <a:latin typeface="Times New Roman" panose="02020603050405020304" pitchFamily="18" charset="0"/>
-                <a:ea typeface="Times New Roman" panose="02020603050405020304" pitchFamily="18" charset="0"/>
-              </a:rPr>
-              <a:t>Actor-Critic</a:t>
-            </a:r>
-            <a:r>
-              <a:rPr lang="lv-LV" sz="1800" dirty="0">
-                <a:effectLst/>
-                <a:latin typeface="Times New Roman" panose="02020603050405020304" pitchFamily="18" charset="0"/>
-                <a:ea typeface="Times New Roman" panose="02020603050405020304" pitchFamily="18" charset="0"/>
-              </a:rPr>
-              <a:t> </a:t>
-            </a:r>
-            <a:r>
-              <a:rPr lang="lv-LV" sz="1800" dirty="0" err="1">
-                <a:effectLst/>
-                <a:latin typeface="Times New Roman" panose="02020603050405020304" pitchFamily="18" charset="0"/>
-                <a:ea typeface="Times New Roman" panose="02020603050405020304" pitchFamily="18" charset="0"/>
-              </a:rPr>
-              <a:t>for</a:t>
-            </a:r>
-            <a:r>
-              <a:rPr lang="lv-LV" sz="1800" dirty="0">
-                <a:effectLst/>
-                <a:latin typeface="Times New Roman" panose="02020603050405020304" pitchFamily="18" charset="0"/>
-                <a:ea typeface="Times New Roman" panose="02020603050405020304" pitchFamily="18" charset="0"/>
-              </a:rPr>
-              <a:t> </a:t>
-            </a:r>
-            <a:r>
-              <a:rPr lang="lv-LV" sz="1800" dirty="0" err="1">
-                <a:effectLst/>
-                <a:latin typeface="Times New Roman" panose="02020603050405020304" pitchFamily="18" charset="0"/>
-                <a:ea typeface="Times New Roman" panose="02020603050405020304" pitchFamily="18" charset="0"/>
-              </a:rPr>
-              <a:t>Mixed</a:t>
-            </a:r>
-            <a:r>
-              <a:rPr lang="lv-LV" sz="1800" dirty="0">
-                <a:effectLst/>
-                <a:latin typeface="Times New Roman" panose="02020603050405020304" pitchFamily="18" charset="0"/>
-                <a:ea typeface="Times New Roman" panose="02020603050405020304" pitchFamily="18" charset="0"/>
-              </a:rPr>
-              <a:t> </a:t>
-            </a:r>
-            <a:r>
-              <a:rPr lang="lv-LV" sz="1800" dirty="0" err="1">
-                <a:effectLst/>
-                <a:latin typeface="Times New Roman" panose="02020603050405020304" pitchFamily="18" charset="0"/>
-                <a:ea typeface="Times New Roman" panose="02020603050405020304" pitchFamily="18" charset="0"/>
-              </a:rPr>
-              <a:t>Cooperative-Competitive</a:t>
-            </a:r>
-            <a:r>
-              <a:rPr lang="lv-LV" sz="1800" dirty="0">
-                <a:effectLst/>
-                <a:latin typeface="Times New Roman" panose="02020603050405020304" pitchFamily="18" charset="0"/>
-                <a:ea typeface="Times New Roman" panose="02020603050405020304" pitchFamily="18" charset="0"/>
-              </a:rPr>
-              <a:t> </a:t>
-            </a:r>
-            <a:r>
-              <a:rPr lang="lv-LV" sz="1800" dirty="0" err="1">
-                <a:effectLst/>
-                <a:latin typeface="Times New Roman" panose="02020603050405020304" pitchFamily="18" charset="0"/>
-                <a:ea typeface="Times New Roman" panose="02020603050405020304" pitchFamily="18" charset="0"/>
-              </a:rPr>
-              <a:t>Environments</a:t>
-            </a:r>
-            <a:r>
-              <a:rPr lang="lv-LV" sz="1800" dirty="0">
-                <a:effectLst/>
-                <a:latin typeface="Times New Roman" panose="02020603050405020304" pitchFamily="18" charset="0"/>
-                <a:ea typeface="Times New Roman" panose="02020603050405020304" pitchFamily="18" charset="0"/>
-              </a:rPr>
-              <a:t>,” </a:t>
-            </a:r>
-            <a:r>
-              <a:rPr lang="lv-LV" sz="1800" dirty="0" err="1">
-                <a:effectLst/>
-                <a:latin typeface="Times New Roman" panose="02020603050405020304" pitchFamily="18" charset="0"/>
-                <a:ea typeface="Times New Roman" panose="02020603050405020304" pitchFamily="18" charset="0"/>
-              </a:rPr>
-              <a:t>in</a:t>
-            </a:r>
-            <a:r>
-              <a:rPr lang="lv-LV" sz="1800" dirty="0">
-                <a:effectLst/>
-                <a:latin typeface="Times New Roman" panose="02020603050405020304" pitchFamily="18" charset="0"/>
-                <a:ea typeface="Times New Roman" panose="02020603050405020304" pitchFamily="18" charset="0"/>
-              </a:rPr>
-              <a:t> </a:t>
-            </a:r>
-            <a:r>
-              <a:rPr lang="lv-LV" sz="1800" i="1" dirty="0" err="1">
-                <a:effectLst/>
-                <a:latin typeface="Times New Roman" panose="02020603050405020304" pitchFamily="18" charset="0"/>
-                <a:ea typeface="Times New Roman" panose="02020603050405020304" pitchFamily="18" charset="0"/>
-              </a:rPr>
-              <a:t>Advances</a:t>
-            </a:r>
-            <a:r>
-              <a:rPr lang="lv-LV" sz="1800" i="1" dirty="0">
-                <a:effectLst/>
-                <a:latin typeface="Times New Roman" panose="02020603050405020304" pitchFamily="18" charset="0"/>
-                <a:ea typeface="Times New Roman" panose="02020603050405020304" pitchFamily="18" charset="0"/>
-              </a:rPr>
-              <a:t> </a:t>
-            </a:r>
-            <a:r>
-              <a:rPr lang="lv-LV" sz="1800" i="1" dirty="0" err="1">
-                <a:effectLst/>
-                <a:latin typeface="Times New Roman" panose="02020603050405020304" pitchFamily="18" charset="0"/>
-                <a:ea typeface="Times New Roman" panose="02020603050405020304" pitchFamily="18" charset="0"/>
-              </a:rPr>
-              <a:t>in</a:t>
-            </a:r>
-            <a:r>
-              <a:rPr lang="lv-LV" sz="1800" i="1" dirty="0">
-                <a:effectLst/>
-                <a:latin typeface="Times New Roman" panose="02020603050405020304" pitchFamily="18" charset="0"/>
-                <a:ea typeface="Times New Roman" panose="02020603050405020304" pitchFamily="18" charset="0"/>
-              </a:rPr>
-              <a:t> </a:t>
-            </a:r>
-            <a:r>
-              <a:rPr lang="lv-LV" sz="1800" i="1" dirty="0" err="1">
-                <a:effectLst/>
-                <a:latin typeface="Times New Roman" panose="02020603050405020304" pitchFamily="18" charset="0"/>
-                <a:ea typeface="Times New Roman" panose="02020603050405020304" pitchFamily="18" charset="0"/>
-              </a:rPr>
-              <a:t>Neural</a:t>
-            </a:r>
-            <a:r>
-              <a:rPr lang="lv-LV" sz="1800" i="1" dirty="0">
-                <a:effectLst/>
-                <a:latin typeface="Times New Roman" panose="02020603050405020304" pitchFamily="18" charset="0"/>
-                <a:ea typeface="Times New Roman" panose="02020603050405020304" pitchFamily="18" charset="0"/>
-              </a:rPr>
-              <a:t> </a:t>
-            </a:r>
-            <a:r>
-              <a:rPr lang="lv-LV" sz="1800" i="1" dirty="0" err="1">
-                <a:effectLst/>
-                <a:latin typeface="Times New Roman" panose="02020603050405020304" pitchFamily="18" charset="0"/>
-                <a:ea typeface="Times New Roman" panose="02020603050405020304" pitchFamily="18" charset="0"/>
-              </a:rPr>
-              <a:t>Information</a:t>
-            </a:r>
-            <a:r>
-              <a:rPr lang="lv-LV" sz="1800" i="1" dirty="0">
-                <a:effectLst/>
-                <a:latin typeface="Times New Roman" panose="02020603050405020304" pitchFamily="18" charset="0"/>
-                <a:ea typeface="Times New Roman" panose="02020603050405020304" pitchFamily="18" charset="0"/>
-              </a:rPr>
-              <a:t> </a:t>
-            </a:r>
-            <a:r>
-              <a:rPr lang="lv-LV" sz="1800" i="1" dirty="0" err="1">
-                <a:effectLst/>
-                <a:latin typeface="Times New Roman" panose="02020603050405020304" pitchFamily="18" charset="0"/>
-                <a:ea typeface="Times New Roman" panose="02020603050405020304" pitchFamily="18" charset="0"/>
-              </a:rPr>
-              <a:t>Processing</a:t>
-            </a:r>
-            <a:r>
-              <a:rPr lang="lv-LV" sz="1800" i="1" dirty="0">
-                <a:effectLst/>
-                <a:latin typeface="Times New Roman" panose="02020603050405020304" pitchFamily="18" charset="0"/>
-                <a:ea typeface="Times New Roman" panose="02020603050405020304" pitchFamily="18" charset="0"/>
-              </a:rPr>
-              <a:t> Systems</a:t>
-            </a:r>
-            <a:r>
-              <a:rPr lang="lv-LV" sz="1800" dirty="0">
-                <a:effectLst/>
-                <a:latin typeface="Times New Roman" panose="02020603050405020304" pitchFamily="18" charset="0"/>
-                <a:ea typeface="Times New Roman" panose="02020603050405020304" pitchFamily="18" charset="0"/>
-              </a:rPr>
-              <a:t>, I. </a:t>
-            </a:r>
-            <a:r>
-              <a:rPr lang="lv-LV" sz="1800" dirty="0" err="1">
-                <a:effectLst/>
-                <a:latin typeface="Times New Roman" panose="02020603050405020304" pitchFamily="18" charset="0"/>
-                <a:ea typeface="Times New Roman" panose="02020603050405020304" pitchFamily="18" charset="0"/>
-              </a:rPr>
-              <a:t>Guyon</a:t>
-            </a:r>
-            <a:r>
-              <a:rPr lang="lv-LV" sz="1800" dirty="0">
-                <a:effectLst/>
-                <a:latin typeface="Times New Roman" panose="02020603050405020304" pitchFamily="18" charset="0"/>
-                <a:ea typeface="Times New Roman" panose="02020603050405020304" pitchFamily="18" charset="0"/>
-              </a:rPr>
-              <a:t>, U. Von </a:t>
-            </a:r>
-            <a:r>
-              <a:rPr lang="lv-LV" sz="1800" dirty="0" err="1">
-                <a:effectLst/>
-                <a:latin typeface="Times New Roman" panose="02020603050405020304" pitchFamily="18" charset="0"/>
-                <a:ea typeface="Times New Roman" panose="02020603050405020304" pitchFamily="18" charset="0"/>
-              </a:rPr>
-              <a:t>Luxburg</a:t>
-            </a:r>
-            <a:r>
-              <a:rPr lang="lv-LV" sz="1800" dirty="0">
-                <a:effectLst/>
-                <a:latin typeface="Times New Roman" panose="02020603050405020304" pitchFamily="18" charset="0"/>
-                <a:ea typeface="Times New Roman" panose="02020603050405020304" pitchFamily="18" charset="0"/>
-              </a:rPr>
-              <a:t>, S. </a:t>
-            </a:r>
-            <a:r>
-              <a:rPr lang="lv-LV" sz="1800" dirty="0" err="1">
-                <a:effectLst/>
-                <a:latin typeface="Times New Roman" panose="02020603050405020304" pitchFamily="18" charset="0"/>
-                <a:ea typeface="Times New Roman" panose="02020603050405020304" pitchFamily="18" charset="0"/>
-              </a:rPr>
-              <a:t>Bengio</a:t>
-            </a:r>
-            <a:r>
-              <a:rPr lang="lv-LV" sz="1800" dirty="0">
-                <a:effectLst/>
-                <a:latin typeface="Times New Roman" panose="02020603050405020304" pitchFamily="18" charset="0"/>
-                <a:ea typeface="Times New Roman" panose="02020603050405020304" pitchFamily="18" charset="0"/>
-              </a:rPr>
-              <a:t>, H. </a:t>
-            </a:r>
-            <a:r>
-              <a:rPr lang="lv-LV" sz="1800" dirty="0" err="1">
-                <a:effectLst/>
-                <a:latin typeface="Times New Roman" panose="02020603050405020304" pitchFamily="18" charset="0"/>
-                <a:ea typeface="Times New Roman" panose="02020603050405020304" pitchFamily="18" charset="0"/>
-              </a:rPr>
-              <a:t>Wallach</a:t>
-            </a:r>
-            <a:r>
-              <a:rPr lang="lv-LV" sz="1800" dirty="0">
-                <a:effectLst/>
-                <a:latin typeface="Times New Roman" panose="02020603050405020304" pitchFamily="18" charset="0"/>
-                <a:ea typeface="Times New Roman" panose="02020603050405020304" pitchFamily="18" charset="0"/>
-              </a:rPr>
-              <a:t>, R. </a:t>
-            </a:r>
-            <a:r>
-              <a:rPr lang="lv-LV" sz="1800" dirty="0" err="1">
-                <a:effectLst/>
-                <a:latin typeface="Times New Roman" panose="02020603050405020304" pitchFamily="18" charset="0"/>
-                <a:ea typeface="Times New Roman" panose="02020603050405020304" pitchFamily="18" charset="0"/>
-              </a:rPr>
-              <a:t>Fergus</a:t>
-            </a:r>
-            <a:r>
-              <a:rPr lang="lv-LV" sz="1800" dirty="0">
-                <a:effectLst/>
-                <a:latin typeface="Times New Roman" panose="02020603050405020304" pitchFamily="18" charset="0"/>
-                <a:ea typeface="Times New Roman" panose="02020603050405020304" pitchFamily="18" charset="0"/>
-              </a:rPr>
-              <a:t>, S. </a:t>
-            </a:r>
-            <a:r>
-              <a:rPr lang="lv-LV" sz="1800" dirty="0" err="1">
-                <a:effectLst/>
-                <a:latin typeface="Times New Roman" panose="02020603050405020304" pitchFamily="18" charset="0"/>
-                <a:ea typeface="Times New Roman" panose="02020603050405020304" pitchFamily="18" charset="0"/>
-              </a:rPr>
-              <a:t>Vishwanathan</a:t>
-            </a:r>
-            <a:r>
-              <a:rPr lang="lv-LV" sz="1800" dirty="0">
-                <a:effectLst/>
-                <a:latin typeface="Times New Roman" panose="02020603050405020304" pitchFamily="18" charset="0"/>
-                <a:ea typeface="Times New Roman" panose="02020603050405020304" pitchFamily="18" charset="0"/>
-              </a:rPr>
-              <a:t>, </a:t>
-            </a:r>
-            <a:r>
-              <a:rPr lang="lv-LV" sz="1800" dirty="0" err="1">
-                <a:effectLst/>
-                <a:latin typeface="Times New Roman" panose="02020603050405020304" pitchFamily="18" charset="0"/>
-                <a:ea typeface="Times New Roman" panose="02020603050405020304" pitchFamily="18" charset="0"/>
-              </a:rPr>
-              <a:t>and</a:t>
-            </a:r>
-            <a:r>
-              <a:rPr lang="lv-LV" sz="1800" dirty="0">
-                <a:effectLst/>
-                <a:latin typeface="Times New Roman" panose="02020603050405020304" pitchFamily="18" charset="0"/>
-                <a:ea typeface="Times New Roman" panose="02020603050405020304" pitchFamily="18" charset="0"/>
-              </a:rPr>
-              <a:t> R. </a:t>
-            </a:r>
-            <a:r>
-              <a:rPr lang="lv-LV" sz="1800" dirty="0" err="1">
-                <a:effectLst/>
-                <a:latin typeface="Times New Roman" panose="02020603050405020304" pitchFamily="18" charset="0"/>
-                <a:ea typeface="Times New Roman" panose="02020603050405020304" pitchFamily="18" charset="0"/>
-              </a:rPr>
-              <a:t>Garnett</a:t>
-            </a:r>
-            <a:r>
-              <a:rPr lang="lv-LV" sz="1800" dirty="0">
-                <a:effectLst/>
-                <a:latin typeface="Times New Roman" panose="02020603050405020304" pitchFamily="18" charset="0"/>
-                <a:ea typeface="Times New Roman" panose="02020603050405020304" pitchFamily="18" charset="0"/>
-              </a:rPr>
-              <a:t>, Eds., </a:t>
-            </a:r>
-            <a:r>
-              <a:rPr lang="lv-LV" sz="1800" dirty="0" err="1">
-                <a:effectLst/>
-                <a:latin typeface="Times New Roman" panose="02020603050405020304" pitchFamily="18" charset="0"/>
-                <a:ea typeface="Times New Roman" panose="02020603050405020304" pitchFamily="18" charset="0"/>
-              </a:rPr>
-              <a:t>Curran</a:t>
-            </a:r>
-            <a:r>
-              <a:rPr lang="lv-LV" sz="1800" dirty="0">
-                <a:effectLst/>
-                <a:latin typeface="Times New Roman" panose="02020603050405020304" pitchFamily="18" charset="0"/>
-                <a:ea typeface="Times New Roman" panose="02020603050405020304" pitchFamily="18" charset="0"/>
-              </a:rPr>
-              <a:t> </a:t>
-            </a:r>
-            <a:r>
-              <a:rPr lang="lv-LV" sz="1800" dirty="0" err="1">
-                <a:effectLst/>
-                <a:latin typeface="Times New Roman" panose="02020603050405020304" pitchFamily="18" charset="0"/>
-                <a:ea typeface="Times New Roman" panose="02020603050405020304" pitchFamily="18" charset="0"/>
-              </a:rPr>
-              <a:t>Associates</a:t>
-            </a:r>
-            <a:r>
-              <a:rPr lang="lv-LV" sz="1800" dirty="0">
-                <a:effectLst/>
-                <a:latin typeface="Times New Roman" panose="02020603050405020304" pitchFamily="18" charset="0"/>
-                <a:ea typeface="Times New Roman" panose="02020603050405020304" pitchFamily="18" charset="0"/>
-              </a:rPr>
-              <a:t>, </a:t>
-            </a:r>
-            <a:r>
-              <a:rPr lang="lv-LV" sz="1800" dirty="0" err="1">
-                <a:effectLst/>
-                <a:latin typeface="Times New Roman" panose="02020603050405020304" pitchFamily="18" charset="0"/>
-                <a:ea typeface="Times New Roman" panose="02020603050405020304" pitchFamily="18" charset="0"/>
-              </a:rPr>
-              <a:t>Inc</a:t>
-            </a:r>
-            <a:r>
-              <a:rPr lang="lv-LV" sz="1800" dirty="0">
-                <a:effectLst/>
-                <a:latin typeface="Times New Roman" panose="02020603050405020304" pitchFamily="18" charset="0"/>
-                <a:ea typeface="Times New Roman" panose="02020603050405020304" pitchFamily="18" charset="0"/>
-              </a:rPr>
-              <a:t>., 2017. [Online]. </a:t>
-            </a:r>
-            <a:r>
-              <a:rPr lang="lv-LV" sz="1800" dirty="0" err="1">
-                <a:effectLst/>
-                <a:latin typeface="Times New Roman" panose="02020603050405020304" pitchFamily="18" charset="0"/>
-                <a:ea typeface="Times New Roman" panose="02020603050405020304" pitchFamily="18" charset="0"/>
-              </a:rPr>
-              <a:t>Available</a:t>
-            </a:r>
-            <a:r>
-              <a:rPr lang="lv-LV" sz="1800" dirty="0">
-                <a:effectLst/>
-                <a:latin typeface="Times New Roman" panose="02020603050405020304" pitchFamily="18" charset="0"/>
-                <a:ea typeface="Times New Roman" panose="02020603050405020304" pitchFamily="18" charset="0"/>
-              </a:rPr>
-              <a:t>: </a:t>
-            </a:r>
-            <a:r>
-              <a:rPr lang="lv-LV" sz="1800" dirty="0" err="1">
-                <a:effectLst/>
-                <a:latin typeface="Times New Roman" panose="02020603050405020304" pitchFamily="18" charset="0"/>
-                <a:ea typeface="Times New Roman" panose="02020603050405020304" pitchFamily="18" charset="0"/>
-              </a:rPr>
-              <a:t>https</a:t>
-            </a:r>
-            <a:r>
-              <a:rPr lang="lv-LV" sz="1800" dirty="0">
-                <a:effectLst/>
-                <a:latin typeface="Times New Roman" panose="02020603050405020304" pitchFamily="18" charset="0"/>
-                <a:ea typeface="Times New Roman" panose="02020603050405020304" pitchFamily="18" charset="0"/>
-              </a:rPr>
-              <a:t>://</a:t>
-            </a:r>
-            <a:r>
-              <a:rPr lang="lv-LV" sz="1800" dirty="0" err="1">
-                <a:effectLst/>
-                <a:latin typeface="Times New Roman" panose="02020603050405020304" pitchFamily="18" charset="0"/>
-                <a:ea typeface="Times New Roman" panose="02020603050405020304" pitchFamily="18" charset="0"/>
-              </a:rPr>
-              <a:t>proceedings.neurips.cc</a:t>
-            </a:r>
-            <a:r>
-              <a:rPr lang="lv-LV" sz="1800" dirty="0">
-                <a:effectLst/>
-                <a:latin typeface="Times New Roman" panose="02020603050405020304" pitchFamily="18" charset="0"/>
-                <a:ea typeface="Times New Roman" panose="02020603050405020304" pitchFamily="18" charset="0"/>
-              </a:rPr>
-              <a:t>/</a:t>
-            </a:r>
-            <a:r>
-              <a:rPr lang="lv-LV" sz="1800" dirty="0" err="1">
-                <a:effectLst/>
-                <a:latin typeface="Times New Roman" panose="02020603050405020304" pitchFamily="18" charset="0"/>
-                <a:ea typeface="Times New Roman" panose="02020603050405020304" pitchFamily="18" charset="0"/>
-              </a:rPr>
-              <a:t>paper_files</a:t>
-            </a:r>
-            <a:r>
-              <a:rPr lang="lv-LV" sz="1800" dirty="0">
-                <a:effectLst/>
-                <a:latin typeface="Times New Roman" panose="02020603050405020304" pitchFamily="18" charset="0"/>
-                <a:ea typeface="Times New Roman" panose="02020603050405020304" pitchFamily="18" charset="0"/>
-              </a:rPr>
-              <a:t>/paper/2017/</a:t>
-            </a:r>
-            <a:r>
-              <a:rPr lang="lv-LV" sz="1800" dirty="0" err="1">
-                <a:effectLst/>
-                <a:latin typeface="Times New Roman" panose="02020603050405020304" pitchFamily="18" charset="0"/>
-                <a:ea typeface="Times New Roman" panose="02020603050405020304" pitchFamily="18" charset="0"/>
-              </a:rPr>
-              <a:t>file</a:t>
-            </a:r>
-            <a:r>
-              <a:rPr lang="lv-LV" sz="1800" dirty="0">
-                <a:effectLst/>
-                <a:latin typeface="Times New Roman" panose="02020603050405020304" pitchFamily="18" charset="0"/>
-                <a:ea typeface="Times New Roman" panose="02020603050405020304" pitchFamily="18" charset="0"/>
-              </a:rPr>
-              <a:t>/68a9750337a418a86fe06c1991a1d64c-Paper.pdf</a:t>
-            </a:r>
-            <a:r>
-              <a:rPr lang="en-LV" dirty="0">
-                <a:effectLst/>
-              </a:rPr>
-              <a:t> </a:t>
-            </a:r>
-            <a:endParaRPr lang="lv-LV" dirty="0"/>
-          </a:p>
         </p:txBody>
       </p:sp>
       <p:sp>
@@ -7878,15 +7258,7 @@
           <a:p>
             <a:r>
               <a:rPr lang="lv-LV" dirty="0"/>
-              <a:t>Izmantojot virzīto apmācību uztrenēt modeli vairāku aģentu pārklājuma ceļa meklēšanai. Modeļa veidošanai un trenēšanai tiks izmantots « </a:t>
-            </a:r>
-            <a:r>
-              <a:rPr lang="lv-LV" dirty="0" err="1"/>
-              <a:t>Unity</a:t>
-            </a:r>
-            <a:r>
-              <a:rPr lang="lv-LV" dirty="0"/>
-              <a:t> ML </a:t>
+              <a:t>Izmantojot virzīto apmācību uztrenēt modeli vairāku aģentu pārklājuma ceļa meklēšanai. Modeļa veidošanai un trenēšanai tiks izmantota « Unity ML </a:t>
             </a:r>
             <a:r>
               <a:rPr lang="lv-LV" dirty="0" err="1"/>
@@ -7894,7 +7266,7 @@
             </a:r>
             <a:r>
               <a:rPr lang="lv-LV" dirty="0"/>
-              <a:t>» platformu.</a:t>
+              <a:t>» platforma.</a:t>
             </a:r>
           </a:p>
           <a:p>
@@ -8022,35 +7394,6 @@
           <a:chExt cx="0" cy="0"/>
         </a:xfrm>
       </p:grpSpPr>
-      <p:pic>
-        <p:nvPicPr>
-          <p:cNvPr id="6" name="Content Placeholder 5">
-            <a:extLst>
-              <a:ext uri="{FF2B5EF4-FFF2-40B4-BE49-F238E27FC236}">
-                <a16:creationId xmlns:a16="http://schemas.microsoft.com/office/drawing/2014/main" id="{F248A079-8AB6-19D4-86C0-4FED818DDC05}"/>
-              </a:ext>
-            </a:extLst>
-          </p:cNvPr>
-          <p:cNvPicPr>
-            <a:picLocks noGrp="1" noChangeAspect="1"/>
-          </p:cNvPicPr>
-          <p:nvPr>
-            <p:ph idx="1"/>
-          </p:nvPr>
-        </p:nvPicPr>
-        <p:blipFill>
-          <a:blip r:embed="rId2"/>
-          <a:stretch>
-            <a:fillRect/>
-          </a:stretch>
-        </p:blipFill>
-        <p:spPr>
-          <a:xfrm>
-            <a:off x="2914428" y="3013319"/>
-            <a:ext cx="5823881" cy="2789238"/>
-          </a:xfrm>
-        </p:spPr>
-      </p:pic>
       <p:sp>
         <p:nvSpPr>
           <p:cNvPr id="3" name="Virsraksts 2">
@@ -8109,30 +7452,28 @@
       </p:sp>
       <p:sp>
         <p:nvSpPr>
-          <p:cNvPr id="8" name="TextBox 7">
+          <p:cNvPr id="5" name="Content Placeholder 4">
             <a:extLst>
               <a:ext uri="{FF2B5EF4-FFF2-40B4-BE49-F238E27FC236}">
-                <a16:creationId xmlns:a16="http://schemas.microsoft.com/office/drawing/2014/main" id="{7061BF70-811F-5FCC-8273-BC040CA0F7AE}"/>
+                <a16:creationId xmlns:a16="http://schemas.microsoft.com/office/drawing/2014/main" id="{DCD0B47C-9D7D-89C8-C1B6-843B7F2117D4}"/>
               </a:ext>
             </a:extLst>
           </p:cNvPr>
-          <p:cNvSpPr txBox="1"/>
-          <p:nvPr/>
-        </p:nvSpPr>
-        <p:spPr>
-          <a:xfrm>
-            <a:off x="1219200" y="1301262"/>
-            <a:ext cx="5509845" cy="1415772"/>
-          </a:xfrm>
-          <a:prstGeom prst="rect">
-            <a:avLst/>
-          </a:prstGeom>
-          <a:noFill/>
-        </p:spPr>
-        <p:txBody>
-          <a:bodyPr wrap="square" rtlCol="0">
-            <a:spAutoFit/>
-          </a:bodyPr>
+          <p:cNvSpPr>
+            <a:spLocks noGrp="1"/>
+          </p:cNvSpPr>
+          <p:nvPr>
+            <p:ph idx="1"/>
+          </p:nvPr>
+        </p:nvSpPr>
+        <p:spPr>
+          <a:xfrm>
+            <a:off x="609600" y="1670594"/>
+            <a:ext cx="10972800" cy="2572467"/>
+          </a:xfrm>
+        </p:spPr>
+        <p:txBody>
+          <a:bodyPr/>
           <a:lstStyle/>
           <a:p>
             <a:pPr marL="342900" indent="-342900">
@@ -8150,7 +7491,7 @@
                 <a:latin typeface="Arial"/>
                 <a:cs typeface="Arial"/>
               </a:rPr>
-              <a:t>Aģentu sadarbība un komunikācija.</a:t>
+              <a:t>Pilna pārklājuma sasniegšana.</a:t>
             </a:r>
           </a:p>
           <a:p>
@@ -8169,8 +7510,15 @@
                 <a:latin typeface="Arial"/>
                 <a:cs typeface="Arial"/>
               </a:rPr>
-              <a:t>Pilna pārklājuma sasniegšana.</a:t>
-            </a:r>
+              <a:t>Modeļa trenēšanas laikietilpīgums.</a:t>
+            </a:r>
+            <a:endParaRPr lang="ru-RU" sz="2000" dirty="0">
+              <a:solidFill>
+                <a:schemeClr val="accent1"/>
+              </a:solidFill>
+              <a:latin typeface="Arial"/>
+              <a:cs typeface="Arial"/>
+            </a:endParaRPr>
           </a:p>
           <a:p>
             <a:pPr marL="342900" indent="-342900">
@@ -8181,18 +7529,45 @@
               <a:buChar char="§"/>
             </a:pPr>
             <a:r>
-              <a:rPr lang="en-LV" sz="2000" dirty="0">
+              <a:rPr lang="lv-LV" sz="2000" dirty="0">
                 <a:solidFill>
                   <a:schemeClr val="accent1"/>
                 </a:solidFill>
                 <a:latin typeface="Arial"/>
                 <a:cs typeface="Arial"/>
               </a:rPr>
-              <a:t>Modeļa trenēšanas laikietilpīgums.</a:t>
-            </a:r>
-          </a:p>
-          <a:p>
-            <a:endParaRPr lang="en-LV" dirty="0"/>
+              <a:t>Darba</a:t>
+            </a:r>
+            <a:r>
+              <a:rPr lang="en-US" sz="2000" dirty="0">
+                <a:solidFill>
+                  <a:schemeClr val="accent1"/>
+                </a:solidFill>
+                <a:latin typeface="Arial"/>
+                <a:cs typeface="Arial"/>
+              </a:rPr>
+              <a:t> </a:t>
+            </a:r>
+            <a:r>
+              <a:rPr lang="lv-LV" sz="2000" dirty="0">
+                <a:solidFill>
+                  <a:schemeClr val="accent1"/>
+                </a:solidFill>
+                <a:latin typeface="Arial"/>
+                <a:cs typeface="Arial"/>
+              </a:rPr>
+              <a:t>gatavības pakāpe: 75%</a:t>
+            </a:r>
+            <a:endParaRPr lang="en-LV" sz="2000" dirty="0">
+              <a:solidFill>
+                <a:schemeClr val="accent1"/>
+              </a:solidFill>
+              <a:latin typeface="Arial"/>
+              <a:cs typeface="Arial"/>
+            </a:endParaRPr>
+          </a:p>
+          <a:p>
+            <a:endParaRPr lang="ru-RU" dirty="0"/>
           </a:p>
         </p:txBody>
       </p:sp>
@@ -9235,6 +8610,15 @@
 </file>
 
 <file path=customXml/item1.xml><?xml version="1.0" encoding="utf-8"?>
+<?mso-contentType ?>
+<FormTemplates xmlns="http://schemas.microsoft.com/sharepoint/v3/contenttype/forms">
+  <Display>DocumentLibraryForm</Display>
+  <Edit>DocumentLibraryForm</Edit>
+  <New>DocumentLibraryForm</New>
+</FormTemplates>
+</file>
+
+<file path=customXml/item2.xml><?xml version="1.0" encoding="utf-8"?>
 <ct:contentTypeSchema xmlns:ct="http://schemas.microsoft.com/office/2006/metadata/contentType" xmlns:ma="http://schemas.microsoft.com/office/2006/metadata/properties/metaAttributes" ct:_="" ma:_="" ma:contentTypeName="Dokuments" ma:contentTypeID="0x01010067946712EBE05F42B156DA2569E31789" ma:contentTypeVersion="2" ma:contentTypeDescription="Izveidot jaunu dokumentu." ma:contentTypeScope="" ma:versionID="fa93f60df8ac12f8eacee93447378c8d">
   <xsd:schema xmlns:xsd="http://www.w3.org/2001/XMLSchema" xmlns:xs="http://www.w3.org/2001/XMLSchema" xmlns:p="http://schemas.microsoft.com/office/2006/metadata/properties" xmlns:ns2="f7ae2d71-6cb9-4ac1-b1ad-68aa4efc7a5e" targetNamespace="http://schemas.microsoft.com/office/2006/metadata/properties" ma:root="true" ma:fieldsID="3fa4aae2b914b1424020cfd6ff0d25ce" ns2:_="">
     <xsd:import namespace="f7ae2d71-6cb9-4ac1-b1ad-68aa4efc7a5e"/>
@@ -9366,15 +8750,6 @@
 </ct:contentTypeSchema>
 </file>
 
-<file path=customXml/item2.xml><?xml version="1.0" encoding="utf-8"?>
-<?mso-contentType ?>
-<FormTemplates xmlns="http://schemas.microsoft.com/sharepoint/v3/contenttype/forms">
-  <Display>DocumentLibraryForm</Display>
-  <Edit>DocumentLibraryForm</Edit>
-  <New>DocumentLibraryForm</New>
-</FormTemplates>
-</file>
-
 <file path=customXml/item3.xml><?xml version="1.0" encoding="utf-8"?>
 <p:properties xmlns:p="http://schemas.microsoft.com/office/2006/metadata/properties" xmlns:xsi="http://www.w3.org/2001/XMLSchema-instance" xmlns:pc="http://schemas.microsoft.com/office/infopath/2007/PartnerControls">
   <documentManagement/>
@@ -9382,6 +8757,14 @@
 </file>
 
 <file path=customXml/itemProps1.xml><?xml version="1.0" encoding="utf-8"?>
+<ds:datastoreItem xmlns:ds="http://schemas.openxmlformats.org/officeDocument/2006/customXml" ds:itemID="{470FA1DA-D6F1-4098-8C00-FFAD2FE8CB70}">
+  <ds:schemaRefs>
+    <ds:schemaRef ds:uri="http://schemas.microsoft.com/sharepoint/v3/contenttype/forms"/>
+  </ds:schemaRefs>
+</ds:datastoreItem>
+</file>
+
+<file path=customXml/itemProps2.xml><?xml version="1.0" encoding="utf-8"?>
 <ds:datastoreItem xmlns:ds="http://schemas.openxmlformats.org/officeDocument/2006/customXml" ds:itemID="{398C5EC5-F89A-46D2-A085-47783B42FECC}">
   <ds:schemaRefs>
     <ds:schemaRef ds:uri="http://schemas.microsoft.com/office/2006/metadata/contentType"/>
@@ -9395,14 +8778,6 @@
     <ds:schemaRef ds:uri="http://purl.org/dc/elements/1.1/"/>
     <ds:schemaRef ds:uri="http://purl.org/dc/terms/"/>
     <ds:schemaRef ds:uri="http://schemas.microsoft.com/internal/obd"/>
-  </ds:schemaRefs>
-</ds:datastoreItem>
-</file>
-
-<file path=customXml/itemProps2.xml><?xml version="1.0" encoding="utf-8"?>
-<ds:datastoreItem xmlns:ds="http://schemas.openxmlformats.org/officeDocument/2006/customXml" ds:itemID="{470FA1DA-D6F1-4098-8C00-FFAD2FE8CB70}">
-  <ds:schemaRefs>
-    <ds:schemaRef ds:uri="http://schemas.microsoft.com/sharepoint/v3/contenttype/forms"/>
   </ds:schemaRefs>
 </ds:datastoreItem>
 </file>
